--- a/문서 관리/07. 유스케이스.pptx
+++ b/문서 관리/07. 유스케이스.pptx
@@ -5,8 +5,8 @@
     <p:sldMasterId id="2147483648" r:id="rId1"/>
   </p:sldMasterIdLst>
   <p:sldIdLst>
-    <p:sldId id="256" r:id="rId2"/>
-    <p:sldId id="258" r:id="rId3"/>
+    <p:sldId id="260" r:id="rId2"/>
+    <p:sldId id="261" r:id="rId3"/>
     <p:sldId id="259" r:id="rId4"/>
   </p:sldIdLst>
   <p:sldSz cx="12192000" cy="6858000"/>
@@ -3346,8 +3346,8 @@
         </p:nvSpPr>
         <p:spPr>
           <a:xfrm>
-            <a:off x="4206174" y="112060"/>
-            <a:ext cx="1699365" cy="1960990"/>
+            <a:off x="4189847" y="310882"/>
+            <a:ext cx="1699365" cy="1506492"/>
           </a:xfrm>
           <a:prstGeom prst="rect">
             <a:avLst/>
@@ -3424,13 +3424,15 @@
       <p:cxnSp>
         <p:nvCxnSpPr>
           <p:cNvPr id="47" name="구부러진 연결선 46"/>
-          <p:cNvCxnSpPr/>
+          <p:cNvCxnSpPr>
+            <a:endCxn id="11" idx="4"/>
+          </p:cNvCxnSpPr>
           <p:nvPr/>
         </p:nvCxnSpPr>
         <p:spPr>
           <a:xfrm rot="5400000" flipH="1" flipV="1">
-            <a:off x="6074090" y="2478983"/>
-            <a:ext cx="616626" cy="305454"/>
+            <a:off x="6028403" y="2583398"/>
+            <a:ext cx="557900" cy="155352"/>
           </a:xfrm>
           <a:prstGeom prst="curvedConnector3">
             <a:avLst>
@@ -3501,13 +3503,15 @@
       <p:cxnSp>
         <p:nvCxnSpPr>
           <p:cNvPr id="60" name="구부러진 연결선 59"/>
-          <p:cNvCxnSpPr/>
+          <p:cNvCxnSpPr>
+            <a:endCxn id="41" idx="2"/>
+          </p:cNvCxnSpPr>
           <p:nvPr/>
         </p:nvCxnSpPr>
         <p:spPr>
           <a:xfrm rot="16200000" flipV="1">
-            <a:off x="5190330" y="2079656"/>
-            <a:ext cx="923727" cy="910516"/>
+            <a:off x="4983789" y="1873115"/>
+            <a:ext cx="1179404" cy="1067922"/>
           </a:xfrm>
           <a:prstGeom prst="curvedConnector3">
             <a:avLst>
@@ -3837,7 +3841,7 @@
         </p:nvSpPr>
         <p:spPr>
           <a:xfrm>
-            <a:off x="5955681" y="1845439"/>
+            <a:off x="5847613" y="1903628"/>
             <a:ext cx="1074832" cy="478496"/>
           </a:xfrm>
           <a:prstGeom prst="ellipse">
@@ -3879,7 +3883,7 @@
         </p:nvSpPr>
         <p:spPr>
           <a:xfrm>
-            <a:off x="10770969" y="1730976"/>
+            <a:off x="10729404" y="1730976"/>
             <a:ext cx="1146174" cy="482295"/>
           </a:xfrm>
           <a:prstGeom prst="ellipse">
@@ -3921,7 +3925,7 @@
         </p:nvSpPr>
         <p:spPr>
           <a:xfrm>
-            <a:off x="10764691" y="1157017"/>
+            <a:off x="10723126" y="1157017"/>
             <a:ext cx="1146174" cy="482295"/>
           </a:xfrm>
           <a:prstGeom prst="ellipse">
@@ -3971,7 +3975,7 @@
         </p:nvSpPr>
         <p:spPr>
           <a:xfrm>
-            <a:off x="9464918" y="1150162"/>
+            <a:off x="9423353" y="1150162"/>
             <a:ext cx="1146174" cy="482295"/>
           </a:xfrm>
           <a:prstGeom prst="ellipse">
@@ -3999,7 +4003,7 @@
             <a:pPr algn="ctr"/>
             <a:r>
               <a:rPr lang="ko-KR" altLang="en-US" sz="1100" dirty="0" smtClean="0"/>
-              <a:t>화상 상담</a:t>
+              <a:t>비대면 </a:t>
             </a:r>
             <a:endParaRPr lang="en-US" altLang="ko-KR" sz="1100" dirty="0" smtClean="0"/>
           </a:p>
@@ -4007,7 +4011,7 @@
             <a:pPr algn="ctr"/>
             <a:r>
               <a:rPr lang="ko-KR" altLang="en-US" sz="1100" dirty="0" smtClean="0"/>
-              <a:t>예약</a:t>
+              <a:t>상담 예약</a:t>
             </a:r>
             <a:endParaRPr lang="ko-KR" altLang="en-US" sz="1100" dirty="0"/>
           </a:p>
@@ -4015,13 +4019,13 @@
       </p:sp>
       <p:sp>
         <p:nvSpPr>
-          <p:cNvPr id="57" name="타원 56"/>
+          <p:cNvPr id="58" name="타원 57"/>
           <p:cNvSpPr/>
           <p:nvPr/>
         </p:nvSpPr>
         <p:spPr>
           <a:xfrm>
-            <a:off x="9464918" y="1719930"/>
+            <a:off x="10729404" y="2277242"/>
             <a:ext cx="1146174" cy="482295"/>
           </a:xfrm>
           <a:prstGeom prst="ellipse">
@@ -4049,7 +4053,7 @@
             <a:pPr algn="ctr"/>
             <a:r>
               <a:rPr lang="ko-KR" altLang="en-US" sz="1100" dirty="0" smtClean="0"/>
-              <a:t>전화상담</a:t>
+              <a:t>희망 일시</a:t>
             </a:r>
             <a:endParaRPr lang="en-US" altLang="ko-KR" sz="1100" dirty="0" smtClean="0"/>
           </a:p>
@@ -4057,7 +4061,7 @@
             <a:pPr algn="ctr"/>
             <a:r>
               <a:rPr lang="ko-KR" altLang="en-US" sz="1100" dirty="0" smtClean="0"/>
-              <a:t>예약</a:t>
+              <a:t>등록</a:t>
             </a:r>
             <a:endParaRPr lang="ko-KR" altLang="en-US" sz="1100" dirty="0"/>
           </a:p>
@@ -4065,13 +4069,13 @@
       </p:sp>
       <p:sp>
         <p:nvSpPr>
-          <p:cNvPr id="58" name="타원 57"/>
+          <p:cNvPr id="59" name="타원 58"/>
           <p:cNvSpPr/>
           <p:nvPr/>
         </p:nvSpPr>
         <p:spPr>
           <a:xfrm>
-            <a:off x="10770969" y="2277242"/>
+            <a:off x="9404364" y="588931"/>
             <a:ext cx="1146174" cy="482295"/>
           </a:xfrm>
           <a:prstGeom prst="ellipse">
@@ -4099,15 +4103,7 @@
             <a:pPr algn="ctr"/>
             <a:r>
               <a:rPr lang="ko-KR" altLang="en-US" sz="1100" dirty="0" smtClean="0"/>
-              <a:t>희망 일시</a:t>
-            </a:r>
-            <a:endParaRPr lang="en-US" altLang="ko-KR" sz="1100" dirty="0" smtClean="0"/>
-          </a:p>
-          <a:p>
-            <a:pPr algn="ctr"/>
-            <a:r>
-              <a:rPr lang="ko-KR" altLang="en-US" sz="1100" dirty="0" smtClean="0"/>
-              <a:t>등록</a:t>
+              <a:t>이용안내</a:t>
             </a:r>
             <a:endParaRPr lang="ko-KR" altLang="en-US" sz="1100" dirty="0"/>
           </a:p>
@@ -4115,14 +4111,14 @@
       </p:sp>
       <p:sp>
         <p:nvSpPr>
-          <p:cNvPr id="59" name="타원 58"/>
+          <p:cNvPr id="62" name="타원 61"/>
           <p:cNvSpPr/>
           <p:nvPr/>
         </p:nvSpPr>
         <p:spPr>
           <a:xfrm>
-            <a:off x="9445929" y="588931"/>
-            <a:ext cx="1146174" cy="482295"/>
+            <a:off x="4286850" y="616133"/>
+            <a:ext cx="1525251" cy="579703"/>
           </a:xfrm>
           <a:prstGeom prst="ellipse">
             <a:avLst/>
@@ -4148,8 +4144,15 @@
           <a:p>
             <a:pPr algn="ctr"/>
             <a:r>
-              <a:rPr lang="ko-KR" altLang="en-US" sz="1100" dirty="0" smtClean="0"/>
-              <a:t>이용안내</a:t>
+              <a:rPr lang="en-US" altLang="ko-KR" sz="1100" dirty="0" smtClean="0"/>
+              <a:t>Wee-Network</a:t>
+            </a:r>
+          </a:p>
+          <a:p>
+            <a:pPr algn="ctr"/>
+            <a:r>
+              <a:rPr lang="ko-KR" altLang="en-US" sz="1100" dirty="0" smtClean="0"/>
+              <a:t>소개</a:t>
             </a:r>
             <a:endParaRPr lang="ko-KR" altLang="en-US" sz="1100" dirty="0"/>
           </a:p>
@@ -4157,14 +4160,14 @@
       </p:sp>
       <p:sp>
         <p:nvSpPr>
-          <p:cNvPr id="62" name="타원 61"/>
+          <p:cNvPr id="63" name="타원 62"/>
           <p:cNvSpPr/>
           <p:nvPr/>
         </p:nvSpPr>
         <p:spPr>
           <a:xfrm>
-            <a:off x="4303177" y="401809"/>
-            <a:ext cx="1525251" cy="579703"/>
+            <a:off x="4374216" y="1257727"/>
+            <a:ext cx="1318725" cy="467070"/>
           </a:xfrm>
           <a:prstGeom prst="ellipse">
             <a:avLst/>
@@ -4190,99 +4193,8 @@
           <a:p>
             <a:pPr algn="ctr"/>
             <a:r>
-              <a:rPr lang="en-US" altLang="ko-KR" sz="1100" dirty="0" smtClean="0"/>
-              <a:t>Wee-Network</a:t>
-            </a:r>
-          </a:p>
-          <a:p>
-            <a:pPr algn="ctr"/>
-            <a:r>
-              <a:rPr lang="ko-KR" altLang="en-US" sz="1100" dirty="0" smtClean="0"/>
-              <a:t>소개</a:t>
-            </a:r>
-            <a:endParaRPr lang="ko-KR" altLang="en-US" sz="1100" dirty="0"/>
-          </a:p>
-        </p:txBody>
-      </p:sp>
-      <p:sp>
-        <p:nvSpPr>
-          <p:cNvPr id="63" name="타원 62"/>
-          <p:cNvSpPr/>
-          <p:nvPr/>
-        </p:nvSpPr>
-        <p:spPr>
-          <a:xfrm>
-            <a:off x="4390543" y="1026777"/>
-            <a:ext cx="1318725" cy="467070"/>
-          </a:xfrm>
-          <a:prstGeom prst="ellipse">
-            <a:avLst/>
-          </a:prstGeom>
-        </p:spPr>
-        <p:style>
-          <a:lnRef idx="2">
-            <a:schemeClr val="dk1"/>
-          </a:lnRef>
-          <a:fillRef idx="1">
-            <a:schemeClr val="lt1"/>
-          </a:fillRef>
-          <a:effectRef idx="0">
-            <a:schemeClr val="dk1"/>
-          </a:effectRef>
-          <a:fontRef idx="minor">
-            <a:schemeClr val="dk1"/>
-          </a:fontRef>
-        </p:style>
-        <p:txBody>
-          <a:bodyPr rtlCol="0" anchor="ctr"/>
-          <a:lstStyle/>
-          <a:p>
-            <a:pPr algn="ctr"/>
-            <a:r>
-              <a:rPr lang="ko-KR" altLang="en-US" sz="1100" dirty="0" smtClean="0"/>
-              <a:t>위치 정보</a:t>
-            </a:r>
-            <a:endParaRPr lang="ko-KR" altLang="en-US" sz="1100" dirty="0"/>
-          </a:p>
-        </p:txBody>
-      </p:sp>
-      <p:sp>
-        <p:nvSpPr>
-          <p:cNvPr id="64" name="타원 63"/>
-          <p:cNvSpPr/>
-          <p:nvPr/>
-        </p:nvSpPr>
-        <p:spPr>
-          <a:xfrm>
-            <a:off x="4390544" y="1539112"/>
-            <a:ext cx="1318725" cy="467070"/>
-          </a:xfrm>
-          <a:prstGeom prst="ellipse">
-            <a:avLst/>
-          </a:prstGeom>
-        </p:spPr>
-        <p:style>
-          <a:lnRef idx="2">
-            <a:schemeClr val="dk1"/>
-          </a:lnRef>
-          <a:fillRef idx="1">
-            <a:schemeClr val="lt1"/>
-          </a:fillRef>
-          <a:effectRef idx="0">
-            <a:schemeClr val="dk1"/>
-          </a:effectRef>
-          <a:fontRef idx="minor">
-            <a:schemeClr val="dk1"/>
-          </a:fontRef>
-        </p:style>
-        <p:txBody>
-          <a:bodyPr rtlCol="0" anchor="ctr"/>
-          <a:lstStyle/>
-          <a:p>
-            <a:pPr algn="ctr"/>
-            <a:r>
-              <a:rPr lang="ko-KR" altLang="en-US" sz="1100" dirty="0" smtClean="0"/>
-              <a:t>공지사항</a:t>
+              <a:rPr lang="ko-KR" altLang="en-US" sz="1100" dirty="0" smtClean="0"/>
+              <a:t>위치 정보 조회</a:t>
             </a:r>
             <a:endParaRPr lang="ko-KR" altLang="en-US" sz="1100" dirty="0"/>
           </a:p>
@@ -4897,7 +4809,7 @@
             <a:pPr algn="ctr"/>
             <a:r>
               <a:rPr lang="ko-KR" altLang="en-US" sz="1100" dirty="0" smtClean="0"/>
-              <a:t>이력 확인</a:t>
+              <a:t>결과 조회</a:t>
             </a:r>
             <a:endParaRPr lang="ko-KR" altLang="en-US" sz="1100" dirty="0"/>
           </a:p>
@@ -5647,8 +5559,8 @@
         </p:nvSpPr>
         <p:spPr>
           <a:xfrm>
-            <a:off x="10832272" y="2810684"/>
-            <a:ext cx="1078593" cy="500536"/>
+            <a:off x="9412472" y="2821716"/>
+            <a:ext cx="1148742" cy="500536"/>
           </a:xfrm>
           <a:prstGeom prst="ellipse">
             <a:avLst/>
@@ -5697,7 +5609,7 @@
         </p:nvSpPr>
         <p:spPr>
           <a:xfrm>
-            <a:off x="9473339" y="2268924"/>
+            <a:off x="9427121" y="2267098"/>
             <a:ext cx="1145283" cy="500536"/>
           </a:xfrm>
           <a:prstGeom prst="ellipse">
@@ -6777,7 +6689,7 @@
         </p:nvSpPr>
         <p:spPr>
           <a:xfrm>
-            <a:off x="9464918" y="2833574"/>
+            <a:off x="9423353" y="1730975"/>
             <a:ext cx="1146174" cy="482295"/>
           </a:xfrm>
           <a:prstGeom prst="ellipse">
@@ -6805,7 +6717,7 @@
             <a:pPr algn="ctr"/>
             <a:r>
               <a:rPr lang="ko-KR" altLang="en-US" sz="1100" dirty="0" smtClean="0"/>
-              <a:t>상담 신청</a:t>
+              <a:t>신청 상태 확인</a:t>
             </a:r>
             <a:endParaRPr lang="ko-KR" altLang="en-US" sz="1100" dirty="0"/>
           </a:p>
@@ -6819,7 +6731,7 @@
         </p:nvSpPr>
         <p:spPr>
           <a:xfrm>
-            <a:off x="10764691" y="610751"/>
+            <a:off x="10723126" y="610751"/>
             <a:ext cx="1146174" cy="482295"/>
           </a:xfrm>
           <a:prstGeom prst="ellipse">
@@ -7014,8 +6926,8 @@
         </p:nvCxnSpPr>
         <p:spPr>
           <a:xfrm rot="10800000" flipV="1">
-            <a:off x="9111313" y="2519191"/>
-            <a:ext cx="362026" cy="67477"/>
+            <a:off x="9111313" y="2517365"/>
+            <a:ext cx="315808" cy="69303"/>
           </a:xfrm>
           <a:prstGeom prst="curvedConnector3">
             <a:avLst>
@@ -7271,10 +7183,108 @@
           </a:p>
         </p:txBody>
       </p:sp>
+      <p:sp>
+        <p:nvSpPr>
+          <p:cNvPr id="106" name="타원 105"/>
+          <p:cNvSpPr/>
+          <p:nvPr/>
+        </p:nvSpPr>
+        <p:spPr>
+          <a:xfrm>
+            <a:off x="10611092" y="2830029"/>
+            <a:ext cx="1330062" cy="482295"/>
+          </a:xfrm>
+          <a:prstGeom prst="ellipse">
+            <a:avLst/>
+          </a:prstGeom>
+        </p:spPr>
+        <p:style>
+          <a:lnRef idx="2">
+            <a:schemeClr val="dk1"/>
+          </a:lnRef>
+          <a:fillRef idx="1">
+            <a:schemeClr val="lt1"/>
+          </a:fillRef>
+          <a:effectRef idx="0">
+            <a:schemeClr val="dk1"/>
+          </a:effectRef>
+          <a:fontRef idx="minor">
+            <a:schemeClr val="dk1"/>
+          </a:fontRef>
+        </p:style>
+        <p:txBody>
+          <a:bodyPr rtlCol="0" anchor="ctr"/>
+          <a:lstStyle/>
+          <a:p>
+            <a:pPr algn="ctr"/>
+            <a:r>
+              <a:rPr lang="ko-KR" altLang="en-US" sz="1100" dirty="0" smtClean="0"/>
+              <a:t>상담</a:t>
+            </a:r>
+            <a:r>
+              <a:rPr lang="en-US" altLang="ko-KR" sz="1100" dirty="0"/>
+              <a:t> </a:t>
+            </a:r>
+            <a:endParaRPr lang="en-US" altLang="ko-KR" sz="1100" dirty="0" smtClean="0"/>
+          </a:p>
+          <a:p>
+            <a:pPr algn="ctr"/>
+            <a:r>
+              <a:rPr lang="ko-KR" altLang="en-US" sz="1100" dirty="0" smtClean="0"/>
+              <a:t>페이지 이동</a:t>
+            </a:r>
+            <a:endParaRPr lang="ko-KR" altLang="en-US" sz="1100" dirty="0"/>
+          </a:p>
+        </p:txBody>
+      </p:sp>
+      <p:cxnSp>
+        <p:nvCxnSpPr>
+          <p:cNvPr id="100" name="구부러진 연결선 99"/>
+          <p:cNvCxnSpPr>
+            <a:stCxn id="91" idx="6"/>
+            <a:endCxn id="298" idx="2"/>
+          </p:cNvCxnSpPr>
+          <p:nvPr/>
+        </p:nvCxnSpPr>
+        <p:spPr>
+          <a:xfrm>
+            <a:off x="3890013" y="1418419"/>
+            <a:ext cx="4040793" cy="1536347"/>
+          </a:xfrm>
+          <a:prstGeom prst="curvedConnector3">
+            <a:avLst>
+              <a:gd name="adj1" fmla="val 27371"/>
+            </a:avLst>
+          </a:prstGeom>
+          <a:ln w="12700" cap="flat" cmpd="sng" algn="ctr">
+            <a:solidFill>
+              <a:schemeClr val="dk1"/>
+            </a:solidFill>
+            <a:prstDash val="dash"/>
+            <a:round/>
+            <a:headEnd type="none" w="med" len="med"/>
+            <a:tailEnd type="triangle" w="med" len="med"/>
+          </a:ln>
+        </p:spPr>
+        <p:style>
+          <a:lnRef idx="0">
+            <a:scrgbClr r="0" g="0" b="0"/>
+          </a:lnRef>
+          <a:fillRef idx="0">
+            <a:scrgbClr r="0" g="0" b="0"/>
+          </a:fillRef>
+          <a:effectRef idx="0">
+            <a:scrgbClr r="0" g="0" b="0"/>
+          </a:effectRef>
+          <a:fontRef idx="minor">
+            <a:schemeClr val="tx1"/>
+          </a:fontRef>
+        </p:style>
+      </p:cxnSp>
     </p:spTree>
     <p:extLst>
       <p:ext uri="{BB962C8B-B14F-4D97-AF65-F5344CB8AC3E}">
-        <p14:creationId xmlns:p14="http://schemas.microsoft.com/office/powerpoint/2010/main" val="384303772"/>
+        <p14:creationId xmlns:p14="http://schemas.microsoft.com/office/powerpoint/2010/main" val="1996807065"/>
       </p:ext>
     </p:extLst>
   </p:cSld>
@@ -7493,7 +7503,7 @@
           <a:p>
             <a:pPr algn="ctr"/>
             <a:r>
-              <a:rPr lang="ko-KR" altLang="en-US" sz="1200" dirty="0" err="1" smtClean="0"/>
+              <a:rPr lang="ko-KR" altLang="en-US" sz="1200" smtClean="0"/>
               <a:t>마이페이지</a:t>
             </a:r>
             <a:endParaRPr lang="ko-KR" altLang="en-US" sz="1200" dirty="0"/>
@@ -7670,47 +7680,6 @@
       </p:sp>
       <p:sp>
         <p:nvSpPr>
-          <p:cNvPr id="41" name="직사각형 40"/>
-          <p:cNvSpPr/>
-          <p:nvPr/>
-        </p:nvSpPr>
-        <p:spPr>
-          <a:xfrm>
-            <a:off x="4206174" y="112060"/>
-            <a:ext cx="1699365" cy="1960990"/>
-          </a:xfrm>
-          <a:prstGeom prst="rect">
-            <a:avLst/>
-          </a:prstGeom>
-        </p:spPr>
-        <p:style>
-          <a:lnRef idx="2">
-            <a:schemeClr val="dk1"/>
-          </a:lnRef>
-          <a:fillRef idx="1">
-            <a:schemeClr val="lt1"/>
-          </a:fillRef>
-          <a:effectRef idx="0">
-            <a:schemeClr val="dk1"/>
-          </a:effectRef>
-          <a:fontRef idx="minor">
-            <a:schemeClr val="dk1"/>
-          </a:fontRef>
-        </p:style>
-        <p:txBody>
-          <a:bodyPr rtlCol="0" anchor="t"/>
-          <a:lstStyle/>
-          <a:p>
-            <a:pPr algn="ctr"/>
-            <a:r>
-              <a:rPr lang="en-US" altLang="ko-KR" sz="1200" dirty="0" smtClean="0"/>
-              <a:t>Wee-Network</a:t>
-            </a:r>
-          </a:p>
-        </p:txBody>
-      </p:sp>
-      <p:sp>
-        <p:nvSpPr>
           <p:cNvPr id="44" name="직사각형 43"/>
           <p:cNvSpPr/>
           <p:nvPr/>
@@ -7837,13 +7806,15 @@
       <p:cxnSp>
         <p:nvCxnSpPr>
           <p:cNvPr id="60" name="구부러진 연결선 59"/>
-          <p:cNvCxnSpPr/>
+          <p:cNvCxnSpPr>
+            <a:endCxn id="96" idx="2"/>
+          </p:cNvCxnSpPr>
           <p:nvPr/>
         </p:nvCxnSpPr>
         <p:spPr>
           <a:xfrm rot="16200000" flipV="1">
-            <a:off x="5190330" y="2079656"/>
-            <a:ext cx="923727" cy="910516"/>
+            <a:off x="4983790" y="1873115"/>
+            <a:ext cx="1179405" cy="1067923"/>
           </a:xfrm>
           <a:prstGeom prst="curvedConnector3">
             <a:avLst>
@@ -8275,139 +8246,6 @@
       </p:sp>
       <p:sp>
         <p:nvSpPr>
-          <p:cNvPr id="62" name="타원 61"/>
-          <p:cNvSpPr/>
-          <p:nvPr/>
-        </p:nvSpPr>
-        <p:spPr>
-          <a:xfrm>
-            <a:off x="4303177" y="401809"/>
-            <a:ext cx="1525251" cy="579703"/>
-          </a:xfrm>
-          <a:prstGeom prst="ellipse">
-            <a:avLst/>
-          </a:prstGeom>
-        </p:spPr>
-        <p:style>
-          <a:lnRef idx="2">
-            <a:schemeClr val="dk1"/>
-          </a:lnRef>
-          <a:fillRef idx="1">
-            <a:schemeClr val="lt1"/>
-          </a:fillRef>
-          <a:effectRef idx="0">
-            <a:schemeClr val="dk1"/>
-          </a:effectRef>
-          <a:fontRef idx="minor">
-            <a:schemeClr val="dk1"/>
-          </a:fontRef>
-        </p:style>
-        <p:txBody>
-          <a:bodyPr rtlCol="0" anchor="ctr"/>
-          <a:lstStyle/>
-          <a:p>
-            <a:pPr algn="ctr"/>
-            <a:r>
-              <a:rPr lang="en-US" altLang="ko-KR" sz="1100" dirty="0" smtClean="0"/>
-              <a:t>Wee-Network</a:t>
-            </a:r>
-          </a:p>
-          <a:p>
-            <a:pPr algn="ctr"/>
-            <a:r>
-              <a:rPr lang="ko-KR" altLang="en-US" sz="1100" dirty="0" smtClean="0"/>
-              <a:t>소개</a:t>
-            </a:r>
-            <a:endParaRPr lang="ko-KR" altLang="en-US" sz="1100" dirty="0"/>
-          </a:p>
-        </p:txBody>
-      </p:sp>
-      <p:sp>
-        <p:nvSpPr>
-          <p:cNvPr id="63" name="타원 62"/>
-          <p:cNvSpPr/>
-          <p:nvPr/>
-        </p:nvSpPr>
-        <p:spPr>
-          <a:xfrm>
-            <a:off x="4390543" y="1026777"/>
-            <a:ext cx="1318725" cy="467070"/>
-          </a:xfrm>
-          <a:prstGeom prst="ellipse">
-            <a:avLst/>
-          </a:prstGeom>
-        </p:spPr>
-        <p:style>
-          <a:lnRef idx="2">
-            <a:schemeClr val="dk1"/>
-          </a:lnRef>
-          <a:fillRef idx="1">
-            <a:schemeClr val="lt1"/>
-          </a:fillRef>
-          <a:effectRef idx="0">
-            <a:schemeClr val="dk1"/>
-          </a:effectRef>
-          <a:fontRef idx="minor">
-            <a:schemeClr val="dk1"/>
-          </a:fontRef>
-        </p:style>
-        <p:txBody>
-          <a:bodyPr rtlCol="0" anchor="ctr"/>
-          <a:lstStyle/>
-          <a:p>
-            <a:pPr algn="ctr"/>
-            <a:r>
-              <a:rPr lang="ko-KR" altLang="en-US" sz="1100" dirty="0" smtClean="0"/>
-              <a:t>위치 정보</a:t>
-            </a:r>
-            <a:endParaRPr lang="ko-KR" altLang="en-US" sz="1100" dirty="0"/>
-          </a:p>
-        </p:txBody>
-      </p:sp>
-      <p:sp>
-        <p:nvSpPr>
-          <p:cNvPr id="64" name="타원 63"/>
-          <p:cNvSpPr/>
-          <p:nvPr/>
-        </p:nvSpPr>
-        <p:spPr>
-          <a:xfrm>
-            <a:off x="4390544" y="1539112"/>
-            <a:ext cx="1318725" cy="467070"/>
-          </a:xfrm>
-          <a:prstGeom prst="ellipse">
-            <a:avLst/>
-          </a:prstGeom>
-        </p:spPr>
-        <p:style>
-          <a:lnRef idx="2">
-            <a:schemeClr val="dk1"/>
-          </a:lnRef>
-          <a:fillRef idx="1">
-            <a:schemeClr val="lt1"/>
-          </a:fillRef>
-          <a:effectRef idx="0">
-            <a:schemeClr val="dk1"/>
-          </a:effectRef>
-          <a:fontRef idx="minor">
-            <a:schemeClr val="dk1"/>
-          </a:fontRef>
-        </p:style>
-        <p:txBody>
-          <a:bodyPr rtlCol="0" anchor="ctr"/>
-          <a:lstStyle/>
-          <a:p>
-            <a:pPr algn="ctr"/>
-            <a:r>
-              <a:rPr lang="ko-KR" altLang="en-US" sz="1100" dirty="0" smtClean="0"/>
-              <a:t>공지사항</a:t>
-            </a:r>
-            <a:endParaRPr lang="ko-KR" altLang="en-US" sz="1100" dirty="0"/>
-          </a:p>
-        </p:txBody>
-      </p:sp>
-      <p:sp>
-        <p:nvSpPr>
           <p:cNvPr id="65" name="타원 64"/>
           <p:cNvSpPr/>
           <p:nvPr/>
@@ -8806,18 +8644,25 @@
           <a:p>
             <a:pPr algn="ctr"/>
             <a:r>
-              <a:rPr lang="ko-KR" altLang="en-US" sz="1100" dirty="0" smtClean="0"/>
-              <a:t>상담신청</a:t>
-            </a:r>
-            <a:endParaRPr lang="en-US" altLang="ko-KR" sz="1100" dirty="0" smtClean="0"/>
-          </a:p>
-          <a:p>
-            <a:pPr algn="ctr"/>
-            <a:r>
-              <a:rPr lang="ko-KR" altLang="en-US" sz="1100" dirty="0" smtClean="0"/>
-              <a:t>현황 조회</a:t>
-            </a:r>
-            <a:endParaRPr lang="ko-KR" altLang="en-US" sz="1100" dirty="0"/>
+              <a:rPr lang="ko-KR" altLang="en-US" sz="1100" dirty="0"/>
+              <a:t>내담자</a:t>
+            </a:r>
+            <a:endParaRPr lang="en-US" altLang="ko-KR" sz="1100" dirty="0"/>
+          </a:p>
+          <a:p>
+            <a:pPr algn="ctr"/>
+            <a:r>
+              <a:rPr lang="ko-KR" altLang="en-US" sz="1100" dirty="0"/>
+              <a:t>상담 정보</a:t>
+            </a:r>
+            <a:endParaRPr lang="en-US" altLang="ko-KR" sz="1100" dirty="0"/>
+          </a:p>
+          <a:p>
+            <a:pPr algn="ctr"/>
+            <a:r>
+              <a:rPr lang="ko-KR" altLang="en-US" sz="1100" dirty="0"/>
+              <a:t>조회</a:t>
+            </a:r>
           </a:p>
         </p:txBody>
       </p:sp>
@@ -8856,26 +8701,17 @@
           <a:p>
             <a:pPr algn="ctr"/>
             <a:r>
-              <a:rPr lang="ko-KR" altLang="en-US" sz="1100" dirty="0" smtClean="0"/>
-              <a:t>내담자</a:t>
+              <a:rPr lang="ko-KR" altLang="en-US" sz="1100" dirty="0"/>
+              <a:t>게시판</a:t>
             </a:r>
             <a:endParaRPr lang="en-US" altLang="ko-KR" sz="1100" dirty="0"/>
           </a:p>
           <a:p>
             <a:pPr algn="ctr"/>
             <a:r>
-              <a:rPr lang="ko-KR" altLang="en-US" sz="1100" dirty="0" smtClean="0"/>
-              <a:t>상담 정보</a:t>
-            </a:r>
-            <a:endParaRPr lang="en-US" altLang="ko-KR" sz="1100" dirty="0" smtClean="0"/>
-          </a:p>
-          <a:p>
-            <a:pPr algn="ctr"/>
-            <a:r>
-              <a:rPr lang="ko-KR" altLang="en-US" sz="1100" dirty="0" smtClean="0"/>
-              <a:t>조회</a:t>
-            </a:r>
-            <a:endParaRPr lang="ko-KR" altLang="en-US" sz="1100" dirty="0"/>
+              <a:rPr lang="ko-KR" altLang="en-US" sz="1100" dirty="0"/>
+              <a:t>상담 확인</a:t>
+            </a:r>
           </a:p>
         </p:txBody>
       </p:sp>
@@ -8915,15 +8751,18 @@
             <a:pPr algn="ctr"/>
             <a:r>
               <a:rPr lang="ko-KR" altLang="en-US" sz="1100" dirty="0" smtClean="0"/>
-              <a:t>게시판</a:t>
-            </a:r>
-            <a:endParaRPr lang="en-US" altLang="ko-KR" sz="1100" dirty="0" smtClean="0"/>
-          </a:p>
-          <a:p>
-            <a:pPr algn="ctr"/>
-            <a:r>
-              <a:rPr lang="ko-KR" altLang="en-US" sz="1100" dirty="0" smtClean="0"/>
-              <a:t>상담 확인</a:t>
+              <a:t>스윗</a:t>
+            </a:r>
+            <a:r>
+              <a:rPr lang="en-US" altLang="ko-KR" sz="1100" dirty="0" smtClean="0"/>
+              <a:t>(SWeeT)</a:t>
+            </a:r>
+          </a:p>
+          <a:p>
+            <a:pPr algn="ctr"/>
+            <a:r>
+              <a:rPr lang="ko-KR" altLang="en-US" sz="1100" dirty="0" smtClean="0"/>
+              <a:t>확인</a:t>
             </a:r>
             <a:endParaRPr lang="ko-KR" altLang="en-US" sz="1100" dirty="0"/>
           </a:p>
@@ -8937,7 +8776,7 @@
         </p:nvSpPr>
         <p:spPr>
           <a:xfrm>
-            <a:off x="2139170" y="1759739"/>
+            <a:off x="2150487" y="1760286"/>
             <a:ext cx="1630666" cy="563658"/>
           </a:xfrm>
           <a:prstGeom prst="ellipse">
@@ -8987,8 +8826,8 @@
         </p:nvSpPr>
         <p:spPr>
           <a:xfrm>
-            <a:off x="572247" y="1748739"/>
-            <a:ext cx="1493481" cy="567926"/>
+            <a:off x="607424" y="1765433"/>
+            <a:ext cx="1476337" cy="567926"/>
           </a:xfrm>
           <a:prstGeom prst="ellipse">
             <a:avLst/>
@@ -9014,18 +8853,17 @@
           <a:p>
             <a:pPr algn="ctr"/>
             <a:r>
-              <a:rPr lang="ko-KR" altLang="en-US" sz="1100" dirty="0" smtClean="0"/>
+              <a:rPr lang="ko-KR" altLang="en-US" sz="1100" dirty="0"/>
               <a:t>마음건강검사</a:t>
             </a:r>
-            <a:endParaRPr lang="en-US" altLang="ko-KR" sz="1100" dirty="0" smtClean="0"/>
-          </a:p>
-          <a:p>
-            <a:pPr algn="ctr"/>
-            <a:r>
-              <a:rPr lang="ko-KR" altLang="en-US" sz="1100" dirty="0" smtClean="0"/>
-              <a:t>이력 확인</a:t>
-            </a:r>
-            <a:endParaRPr lang="ko-KR" altLang="en-US" sz="1100" dirty="0"/>
+            <a:endParaRPr lang="en-US" altLang="ko-KR" sz="1100" dirty="0"/>
+          </a:p>
+          <a:p>
+            <a:pPr algn="ctr"/>
+            <a:r>
+              <a:rPr lang="ko-KR" altLang="en-US" sz="1100" dirty="0"/>
+              <a:t>결과 조회</a:t>
+            </a:r>
           </a:p>
         </p:txBody>
       </p:sp>
@@ -11365,10 +11203,188 @@
           </a:p>
         </p:txBody>
       </p:sp>
+      <p:sp>
+        <p:nvSpPr>
+          <p:cNvPr id="96" name="직사각형 95"/>
+          <p:cNvSpPr/>
+          <p:nvPr/>
+        </p:nvSpPr>
+        <p:spPr>
+          <a:xfrm>
+            <a:off x="4189847" y="310882"/>
+            <a:ext cx="1699365" cy="1506492"/>
+          </a:xfrm>
+          <a:prstGeom prst="rect">
+            <a:avLst/>
+          </a:prstGeom>
+        </p:spPr>
+        <p:style>
+          <a:lnRef idx="2">
+            <a:schemeClr val="dk1"/>
+          </a:lnRef>
+          <a:fillRef idx="1">
+            <a:schemeClr val="lt1"/>
+          </a:fillRef>
+          <a:effectRef idx="0">
+            <a:schemeClr val="dk1"/>
+          </a:effectRef>
+          <a:fontRef idx="minor">
+            <a:schemeClr val="dk1"/>
+          </a:fontRef>
+        </p:style>
+        <p:txBody>
+          <a:bodyPr rtlCol="0" anchor="t"/>
+          <a:lstStyle/>
+          <a:p>
+            <a:pPr algn="ctr"/>
+            <a:r>
+              <a:rPr lang="en-US" altLang="ko-KR" sz="1200" dirty="0" smtClean="0"/>
+              <a:t>Wee-Network</a:t>
+            </a:r>
+          </a:p>
+        </p:txBody>
+      </p:sp>
+      <p:sp>
+        <p:nvSpPr>
+          <p:cNvPr id="97" name="타원 96"/>
+          <p:cNvSpPr/>
+          <p:nvPr/>
+        </p:nvSpPr>
+        <p:spPr>
+          <a:xfrm>
+            <a:off x="4286850" y="616133"/>
+            <a:ext cx="1525251" cy="579703"/>
+          </a:xfrm>
+          <a:prstGeom prst="ellipse">
+            <a:avLst/>
+          </a:prstGeom>
+        </p:spPr>
+        <p:style>
+          <a:lnRef idx="2">
+            <a:schemeClr val="dk1"/>
+          </a:lnRef>
+          <a:fillRef idx="1">
+            <a:schemeClr val="lt1"/>
+          </a:fillRef>
+          <a:effectRef idx="0">
+            <a:schemeClr val="dk1"/>
+          </a:effectRef>
+          <a:fontRef idx="minor">
+            <a:schemeClr val="dk1"/>
+          </a:fontRef>
+        </p:style>
+        <p:txBody>
+          <a:bodyPr rtlCol="0" anchor="ctr"/>
+          <a:lstStyle/>
+          <a:p>
+            <a:pPr algn="ctr"/>
+            <a:r>
+              <a:rPr lang="en-US" altLang="ko-KR" sz="1100" dirty="0" smtClean="0"/>
+              <a:t>Wee-Network</a:t>
+            </a:r>
+          </a:p>
+          <a:p>
+            <a:pPr algn="ctr"/>
+            <a:r>
+              <a:rPr lang="ko-KR" altLang="en-US" sz="1100" dirty="0" smtClean="0"/>
+              <a:t>소개</a:t>
+            </a:r>
+            <a:endParaRPr lang="ko-KR" altLang="en-US" sz="1100" dirty="0"/>
+          </a:p>
+        </p:txBody>
+      </p:sp>
+      <p:sp>
+        <p:nvSpPr>
+          <p:cNvPr id="98" name="타원 97"/>
+          <p:cNvSpPr/>
+          <p:nvPr/>
+        </p:nvSpPr>
+        <p:spPr>
+          <a:xfrm>
+            <a:off x="4374216" y="1257727"/>
+            <a:ext cx="1318725" cy="467070"/>
+          </a:xfrm>
+          <a:prstGeom prst="ellipse">
+            <a:avLst/>
+          </a:prstGeom>
+        </p:spPr>
+        <p:style>
+          <a:lnRef idx="2">
+            <a:schemeClr val="dk1"/>
+          </a:lnRef>
+          <a:fillRef idx="1">
+            <a:schemeClr val="lt1"/>
+          </a:fillRef>
+          <a:effectRef idx="0">
+            <a:schemeClr val="dk1"/>
+          </a:effectRef>
+          <a:fontRef idx="minor">
+            <a:schemeClr val="dk1"/>
+          </a:fontRef>
+        </p:style>
+        <p:txBody>
+          <a:bodyPr rtlCol="0" anchor="ctr"/>
+          <a:lstStyle/>
+          <a:p>
+            <a:pPr algn="ctr"/>
+            <a:r>
+              <a:rPr lang="ko-KR" altLang="en-US" sz="1100" dirty="0" smtClean="0"/>
+              <a:t>위치 정보 조회</a:t>
+            </a:r>
+            <a:endParaRPr lang="ko-KR" altLang="en-US" sz="1100" dirty="0"/>
+          </a:p>
+        </p:txBody>
+      </p:sp>
+      <p:cxnSp>
+        <p:nvCxnSpPr>
+          <p:cNvPr id="99" name="구부러진 연결선 98"/>
+          <p:cNvCxnSpPr>
+            <a:stCxn id="91" idx="5"/>
+            <a:endCxn id="44" idx="0"/>
+          </p:cNvCxnSpPr>
+          <p:nvPr/>
+        </p:nvCxnSpPr>
+        <p:spPr>
+          <a:xfrm rot="5400000" flipH="1" flipV="1">
+            <a:off x="6519811" y="-2484480"/>
+            <a:ext cx="1323697" cy="6914422"/>
+          </a:xfrm>
+          <a:prstGeom prst="curvedConnector5">
+            <a:avLst>
+              <a:gd name="adj1" fmla="val -28678"/>
+              <a:gd name="adj2" fmla="val 32452"/>
+              <a:gd name="adj3" fmla="val 119171"/>
+            </a:avLst>
+          </a:prstGeom>
+          <a:ln w="12700" cap="flat" cmpd="sng" algn="ctr">
+            <a:solidFill>
+              <a:schemeClr val="dk1"/>
+            </a:solidFill>
+            <a:prstDash val="dash"/>
+            <a:round/>
+            <a:headEnd type="none" w="med" len="med"/>
+            <a:tailEnd type="triangle" w="med" len="med"/>
+          </a:ln>
+        </p:spPr>
+        <p:style>
+          <a:lnRef idx="0">
+            <a:scrgbClr r="0" g="0" b="0"/>
+          </a:lnRef>
+          <a:fillRef idx="0">
+            <a:scrgbClr r="0" g="0" b="0"/>
+          </a:fillRef>
+          <a:effectRef idx="0">
+            <a:scrgbClr r="0" g="0" b="0"/>
+          </a:effectRef>
+          <a:fontRef idx="minor">
+            <a:schemeClr val="tx1"/>
+          </a:fontRef>
+        </p:style>
+      </p:cxnSp>
     </p:spTree>
     <p:extLst>
       <p:ext uri="{BB962C8B-B14F-4D97-AF65-F5344CB8AC3E}">
-        <p14:creationId xmlns:p14="http://schemas.microsoft.com/office/powerpoint/2010/main" val="4233883585"/>
+        <p14:creationId xmlns:p14="http://schemas.microsoft.com/office/powerpoint/2010/main" val="1091738815"/>
       </p:ext>
     </p:extLst>
   </p:cSld>
@@ -11403,7 +11419,7 @@
         </p:nvSpPr>
         <p:spPr>
           <a:xfrm>
-            <a:off x="5017892" y="2006046"/>
+            <a:off x="4576580" y="2447918"/>
             <a:ext cx="1074821" cy="408064"/>
           </a:xfrm>
           <a:prstGeom prst="ellipse">
@@ -11445,7 +11461,7 @@
         </p:nvSpPr>
         <p:spPr>
           <a:xfrm>
-            <a:off x="7811493" y="2930962"/>
+            <a:off x="6784752" y="2673342"/>
             <a:ext cx="1278424" cy="490925"/>
           </a:xfrm>
           <a:prstGeom prst="ellipse">
@@ -11482,15 +11498,17 @@
       <p:cxnSp>
         <p:nvCxnSpPr>
           <p:cNvPr id="33" name="구부러진 연결선 32"/>
-          <p:cNvCxnSpPr/>
+          <p:cNvCxnSpPr>
+            <a:endCxn id="28" idx="4"/>
+          </p:cNvCxnSpPr>
           <p:nvPr/>
         </p:nvCxnSpPr>
         <p:spPr>
-          <a:xfrm rot="16200000" flipV="1">
-            <a:off x="5608636" y="2465399"/>
-            <a:ext cx="455843" cy="341049"/>
-          </a:xfrm>
-          <a:prstGeom prst="curvedConnector3">
+          <a:xfrm rot="10800000">
+            <a:off x="5113991" y="2855982"/>
+            <a:ext cx="828728" cy="362006"/>
+          </a:xfrm>
+          <a:prstGeom prst="curvedConnector2">
             <a:avLst/>
           </a:prstGeom>
           <a:ln>
@@ -11523,8 +11541,8 @@
         </p:nvCxnSpPr>
         <p:spPr>
           <a:xfrm rot="16200000" flipV="1">
-            <a:off x="3581782" y="32524"/>
-            <a:ext cx="295974" cy="3651069"/>
+            <a:off x="4622743" y="1956669"/>
+            <a:ext cx="355751" cy="626747"/>
           </a:xfrm>
           <a:prstGeom prst="curvedConnector3">
             <a:avLst>
@@ -11561,8 +11579,8 @@
         </p:nvCxnSpPr>
         <p:spPr>
           <a:xfrm rot="10800000" flipV="1">
-            <a:off x="4549532" y="2210078"/>
-            <a:ext cx="468360" cy="1777112"/>
+            <a:off x="4222098" y="2651949"/>
+            <a:ext cx="354482" cy="993439"/>
           </a:xfrm>
           <a:prstGeom prst="curvedConnector2">
             <a:avLst/>
@@ -11594,8 +11612,8 @@
         </p:nvGrpSpPr>
         <p:grpSpPr>
           <a:xfrm>
-            <a:off x="3963625" y="3987190"/>
-            <a:ext cx="1171813" cy="2565062"/>
+            <a:off x="3297117" y="3645389"/>
+            <a:ext cx="1849962" cy="2869766"/>
             <a:chOff x="2995630" y="3097508"/>
             <a:chExt cx="1171813" cy="2155821"/>
           </a:xfrm>
@@ -11646,8 +11664,8 @@
           </p:nvSpPr>
           <p:spPr>
             <a:xfrm>
-              <a:off x="3077926" y="3179451"/>
-              <a:ext cx="1064161" cy="276999"/>
+              <a:off x="3269638" y="3158309"/>
+              <a:ext cx="694610" cy="232805"/>
             </a:xfrm>
             <a:prstGeom prst="rect">
               <a:avLst/>
@@ -11676,8 +11694,8 @@
           </p:nvSpPr>
           <p:spPr>
             <a:xfrm>
-              <a:off x="3143048" y="3449726"/>
-              <a:ext cx="868932" cy="266140"/>
+              <a:off x="3104857" y="3449726"/>
+              <a:ext cx="980543" cy="324526"/>
             </a:xfrm>
             <a:prstGeom prst="ellipse">
               <a:avLst/>
@@ -11718,8 +11736,8 @@
           </p:nvSpPr>
           <p:spPr>
             <a:xfrm>
-              <a:off x="3066667" y="4457914"/>
-              <a:ext cx="1070810" cy="299574"/>
+              <a:off x="3104857" y="4515074"/>
+              <a:ext cx="980543" cy="324526"/>
             </a:xfrm>
             <a:prstGeom prst="ellipse">
               <a:avLst/>
@@ -11760,8 +11778,8 @@
           </p:nvSpPr>
           <p:spPr>
             <a:xfrm>
-              <a:off x="3134812" y="4076358"/>
-              <a:ext cx="947548" cy="283355"/>
+              <a:off x="3104857" y="4159958"/>
+              <a:ext cx="980543" cy="324526"/>
             </a:xfrm>
             <a:prstGeom prst="ellipse">
               <a:avLst/>
@@ -11802,8 +11820,8 @@
           </p:nvSpPr>
           <p:spPr>
             <a:xfrm>
-              <a:off x="3134811" y="3754290"/>
-              <a:ext cx="947548" cy="280476"/>
+              <a:off x="3104857" y="3804842"/>
+              <a:ext cx="980543" cy="324526"/>
             </a:xfrm>
             <a:prstGeom prst="ellipse">
               <a:avLst/>
@@ -11844,8 +11862,8 @@
           </p:nvSpPr>
           <p:spPr>
             <a:xfrm>
-              <a:off x="3143048" y="4870190"/>
-              <a:ext cx="940038" cy="251872"/>
+              <a:off x="3104857" y="4870190"/>
+              <a:ext cx="980543" cy="324526"/>
             </a:xfrm>
             <a:prstGeom prst="ellipse">
               <a:avLst/>
@@ -11884,18 +11902,17 @@
           <p:cNvPr id="71" name="구부러진 연결선 70"/>
           <p:cNvCxnSpPr>
             <a:stCxn id="59" idx="6"/>
-            <a:endCxn id="64" idx="1"/>
           </p:cNvCxnSpPr>
           <p:nvPr/>
         </p:nvCxnSpPr>
         <p:spPr>
           <a:xfrm flipV="1">
-            <a:off x="5050355" y="4579607"/>
-            <a:ext cx="2315746" cy="740821"/>
+            <a:off x="5017557" y="4350110"/>
+            <a:ext cx="3089762" cy="925581"/>
           </a:xfrm>
           <a:prstGeom prst="curvedConnector3">
             <a:avLst>
-              <a:gd name="adj1" fmla="val 50000"/>
+              <a:gd name="adj1" fmla="val 30360"/>
             </a:avLst>
           </a:prstGeom>
           <a:ln>
@@ -11925,8 +11942,8 @@
         </p:nvGrpSpPr>
         <p:grpSpPr>
           <a:xfrm>
-            <a:off x="2419613" y="2169865"/>
-            <a:ext cx="1309744" cy="1246793"/>
+            <a:off x="349355" y="269364"/>
+            <a:ext cx="1656000" cy="1908000"/>
             <a:chOff x="1833304" y="1752290"/>
             <a:chExt cx="1309744" cy="1246793"/>
           </a:xfrm>
@@ -11977,8 +11994,8 @@
           </p:nvSpPr>
           <p:spPr>
             <a:xfrm>
-              <a:off x="1965436" y="1999565"/>
-              <a:ext cx="967860" cy="251872"/>
+              <a:off x="1984485" y="1999565"/>
+              <a:ext cx="996544" cy="282293"/>
             </a:xfrm>
             <a:prstGeom prst="ellipse">
               <a:avLst/>
@@ -12004,7 +12021,7 @@
             <a:p>
               <a:pPr algn="ctr"/>
               <a:r>
-                <a:rPr lang="ko-KR" altLang="en-US" sz="1100" smtClean="0"/>
+                <a:rPr lang="ko-KR" altLang="en-US" sz="1100" dirty="0" smtClean="0"/>
                 <a:t>글 등록</a:t>
               </a:r>
               <a:endParaRPr lang="ko-KR" altLang="en-US" sz="1100" dirty="0"/>
@@ -12019,8 +12036,8 @@
           </p:nvSpPr>
           <p:spPr>
             <a:xfrm>
-              <a:off x="1988953" y="1753344"/>
-              <a:ext cx="1132041" cy="276999"/>
+              <a:off x="2018779" y="1779980"/>
+              <a:ext cx="984800" cy="181007"/>
             </a:xfrm>
             <a:prstGeom prst="rect">
               <a:avLst/>
@@ -12028,20 +12045,16 @@
             <a:noFill/>
           </p:spPr>
           <p:txBody>
-            <a:bodyPr wrap="none" rtlCol="0">
+            <a:bodyPr wrap="square" rtlCol="0">
               <a:spAutoFit/>
             </a:bodyPr>
             <a:lstStyle/>
             <a:p>
               <a:r>
                 <a:rPr lang="ko-KR" altLang="en-US" sz="1200" dirty="0" smtClean="0"/>
-                <a:t>공지사항</a:t>
+                <a:t>공지사항 관리</a:t>
               </a:r>
-              <a:r>
-                <a:rPr lang="ko-KR" altLang="en-US" sz="1100" dirty="0" smtClean="0"/>
-                <a:t> 관리</a:t>
-              </a:r>
-              <a:endParaRPr lang="ko-KR" altLang="en-US" sz="1100" dirty="0"/>
+              <a:endParaRPr lang="ko-KR" altLang="en-US" sz="1200" dirty="0"/>
             </a:p>
           </p:txBody>
         </p:sp>
@@ -12053,8 +12066,8 @@
           </p:nvSpPr>
           <p:spPr>
             <a:xfrm>
-              <a:off x="2003536" y="2304562"/>
-              <a:ext cx="929760" cy="251872"/>
+              <a:off x="1984485" y="2307755"/>
+              <a:ext cx="996544" cy="282293"/>
             </a:xfrm>
             <a:prstGeom prst="ellipse">
               <a:avLst/>
@@ -12095,8 +12108,8 @@
           </p:nvSpPr>
           <p:spPr>
             <a:xfrm>
-              <a:off x="2000161" y="2615944"/>
-              <a:ext cx="929760" cy="251872"/>
+              <a:off x="1984485" y="2615944"/>
+              <a:ext cx="996544" cy="282293"/>
             </a:xfrm>
             <a:prstGeom prst="ellipse">
               <a:avLst/>
@@ -12135,17 +12148,19 @@
           <p:cNvPr id="83" name="구부러진 연결선 82"/>
           <p:cNvCxnSpPr>
             <a:stCxn id="57" idx="2"/>
-            <a:endCxn id="74" idx="2"/>
+            <a:endCxn id="74" idx="3"/>
           </p:cNvCxnSpPr>
           <p:nvPr/>
         </p:nvCxnSpPr>
         <p:spPr>
           <a:xfrm rot="10800000">
-            <a:off x="3074485" y="3416659"/>
-            <a:ext cx="1036558" cy="1147943"/>
-          </a:xfrm>
-          <a:prstGeom prst="curvedConnector2">
-            <a:avLst/>
+            <a:off x="2005356" y="1223365"/>
+            <a:ext cx="1464201" cy="3106887"/>
+          </a:xfrm>
+          <a:prstGeom prst="curvedConnector3">
+            <a:avLst>
+              <a:gd name="adj1" fmla="val 50000"/>
+            </a:avLst>
           </a:prstGeom>
           <a:ln>
             <a:tailEnd type="triangle"/>
@@ -12174,10 +12189,10 @@
         </p:nvGrpSpPr>
         <p:grpSpPr>
           <a:xfrm>
-            <a:off x="1016435" y="5016921"/>
-            <a:ext cx="1309744" cy="1260281"/>
-            <a:chOff x="832764" y="4294543"/>
-            <a:chExt cx="1309744" cy="1260281"/>
+            <a:off x="306131" y="4627575"/>
+            <a:ext cx="1656000" cy="1887580"/>
+            <a:chOff x="832764" y="4308031"/>
+            <a:chExt cx="1309744" cy="1246793"/>
           </a:xfrm>
         </p:grpSpPr>
         <p:sp>
@@ -12268,8 +12283,8 @@
           </p:nvSpPr>
           <p:spPr>
             <a:xfrm>
-              <a:off x="1152094" y="4294543"/>
-              <a:ext cx="790711" cy="276999"/>
+              <a:off x="1204259" y="4338787"/>
+              <a:ext cx="635126" cy="182965"/>
             </a:xfrm>
             <a:prstGeom prst="rect">
               <a:avLst/>
@@ -12298,7 +12313,7 @@
           </p:nvSpPr>
           <p:spPr>
             <a:xfrm>
-              <a:off x="1002996" y="4860303"/>
+              <a:off x="1003127" y="4879443"/>
               <a:ext cx="929760" cy="251872"/>
             </a:xfrm>
             <a:prstGeom prst="ellipse">
@@ -12340,7 +12355,7 @@
           </p:nvSpPr>
           <p:spPr>
             <a:xfrm>
-              <a:off x="1002996" y="5151170"/>
+              <a:off x="1003127" y="5203579"/>
               <a:ext cx="929760" cy="251872"/>
             </a:xfrm>
             <a:prstGeom prst="ellipse">
@@ -12385,13 +12400,13 @@
           <p:nvPr/>
         </p:nvCxnSpPr>
         <p:spPr>
-          <a:xfrm rot="5400000" flipH="1">
-            <a:off x="3066753" y="4881757"/>
-            <a:ext cx="118864" cy="2909755"/>
+          <a:xfrm rot="5400000">
+            <a:off x="2649833" y="4921430"/>
+            <a:ext cx="78023" cy="3109426"/>
           </a:xfrm>
           <a:prstGeom prst="curvedConnector3">
             <a:avLst>
-              <a:gd name="adj1" fmla="val -192321"/>
+              <a:gd name="adj1" fmla="val 392991"/>
             </a:avLst>
           </a:prstGeom>
           <a:ln>
@@ -12421,10 +12436,10 @@
         </p:nvGrpSpPr>
         <p:grpSpPr>
           <a:xfrm>
-            <a:off x="5942718" y="5396234"/>
-            <a:ext cx="1744868" cy="1246793"/>
-            <a:chOff x="469280" y="2878456"/>
-            <a:chExt cx="1521899" cy="1246793"/>
+            <a:off x="6159374" y="4827681"/>
+            <a:ext cx="1656001" cy="1908000"/>
+            <a:chOff x="469279" y="2878456"/>
+            <a:chExt cx="1521900" cy="1246793"/>
           </a:xfrm>
         </p:grpSpPr>
         <p:sp>
@@ -12435,8 +12450,8 @@
           </p:nvSpPr>
           <p:spPr>
             <a:xfrm>
-              <a:off x="469280" y="2878456"/>
-              <a:ext cx="1309744" cy="1246793"/>
+              <a:off x="469279" y="2878456"/>
+              <a:ext cx="1521899" cy="1246793"/>
             </a:xfrm>
             <a:prstGeom prst="rect">
               <a:avLst/>
@@ -12473,8 +12488,8 @@
           </p:nvSpPr>
           <p:spPr>
             <a:xfrm>
-              <a:off x="669146" y="3158736"/>
-              <a:ext cx="967860" cy="251872"/>
+              <a:off x="674070" y="3158736"/>
+              <a:ext cx="1124882" cy="258768"/>
             </a:xfrm>
             <a:prstGeom prst="ellipse">
               <a:avLst/>
@@ -12545,8 +12560,8 @@
           </p:nvSpPr>
           <p:spPr>
             <a:xfrm>
-              <a:off x="688870" y="3487398"/>
-              <a:ext cx="929760" cy="251872"/>
+              <a:off x="674070" y="3474780"/>
+              <a:ext cx="1124882" cy="258768"/>
             </a:xfrm>
             <a:prstGeom prst="ellipse">
               <a:avLst/>
@@ -12587,8 +12602,8 @@
           </p:nvSpPr>
           <p:spPr>
             <a:xfrm>
-              <a:off x="659272" y="3790825"/>
-              <a:ext cx="929760" cy="251872"/>
+              <a:off x="674070" y="3790825"/>
+              <a:ext cx="1124882" cy="258768"/>
             </a:xfrm>
             <a:prstGeom prst="ellipse">
               <a:avLst/>
@@ -12633,8 +12648,8 @@
         </p:nvCxnSpPr>
         <p:spPr>
           <a:xfrm>
-            <a:off x="5105472" y="5784064"/>
-            <a:ext cx="837246" cy="235567"/>
+            <a:off x="5017557" y="5748411"/>
+            <a:ext cx="1141817" cy="33270"/>
           </a:xfrm>
           <a:prstGeom prst="curvedConnector3">
             <a:avLst>
@@ -12668,8 +12683,8 @@
         </p:nvGrpSpPr>
         <p:grpSpPr>
           <a:xfrm>
-            <a:off x="8212404" y="108525"/>
-            <a:ext cx="1302462" cy="2295678"/>
+            <a:off x="8445709" y="1252472"/>
+            <a:ext cx="1656000" cy="2299700"/>
             <a:chOff x="6984501" y="294792"/>
             <a:chExt cx="1302462" cy="2295678"/>
           </a:xfrm>
@@ -12720,8 +12735,8 @@
           </p:nvSpPr>
           <p:spPr>
             <a:xfrm>
-              <a:off x="7222802" y="346479"/>
-              <a:ext cx="1064161" cy="261610"/>
+              <a:off x="7275708" y="321438"/>
+              <a:ext cx="749212" cy="276515"/>
             </a:xfrm>
             <a:prstGeom prst="rect">
               <a:avLst/>
@@ -12735,10 +12750,10 @@
             <a:lstStyle/>
             <a:p>
               <a:r>
-                <a:rPr lang="ko-KR" altLang="en-US" sz="1100" dirty="0" smtClean="0"/>
+                <a:rPr lang="ko-KR" altLang="en-US" sz="1200" dirty="0" smtClean="0"/>
                 <a:t>통계 관리</a:t>
               </a:r>
-              <a:endParaRPr lang="ko-KR" altLang="en-US" sz="1100" dirty="0"/>
+              <a:endParaRPr lang="ko-KR" altLang="en-US" sz="1200" dirty="0"/>
             </a:p>
           </p:txBody>
         </p:sp>
@@ -12750,8 +12765,8 @@
           </p:nvSpPr>
           <p:spPr>
             <a:xfrm>
-              <a:off x="7078407" y="614353"/>
-              <a:ext cx="1163416" cy="266140"/>
+              <a:off x="7069444" y="635984"/>
+              <a:ext cx="1132576" cy="431244"/>
             </a:xfrm>
             <a:prstGeom prst="ellipse">
               <a:avLst/>
@@ -12792,8 +12807,8 @@
           </p:nvSpPr>
           <p:spPr>
             <a:xfrm>
-              <a:off x="7088280" y="2027932"/>
-              <a:ext cx="1143670" cy="364291"/>
+              <a:off x="7069444" y="2026014"/>
+              <a:ext cx="1132576" cy="431244"/>
             </a:xfrm>
             <a:prstGeom prst="ellipse">
               <a:avLst/>
@@ -12820,7 +12835,15 @@
               <a:pPr algn="ctr"/>
               <a:r>
                 <a:rPr lang="ko-KR" altLang="en-US" sz="1100" dirty="0" smtClean="0"/>
-                <a:t>마음건강정보 조회</a:t>
+                <a:t>마음 건강</a:t>
+              </a:r>
+              <a:endParaRPr lang="en-US" altLang="ko-KR" sz="1100" dirty="0" smtClean="0"/>
+            </a:p>
+            <a:p>
+              <a:pPr algn="ctr"/>
+              <a:r>
+                <a:rPr lang="ko-KR" altLang="en-US" sz="1100" dirty="0" smtClean="0"/>
+                <a:t>정보 조회</a:t>
               </a:r>
               <a:endParaRPr lang="ko-KR" altLang="en-US" sz="1100" dirty="0"/>
             </a:p>
@@ -12834,8 +12857,8 @@
           </p:nvSpPr>
           <p:spPr>
             <a:xfrm>
-              <a:off x="7031218" y="1293831"/>
-              <a:ext cx="1184983" cy="362024"/>
+              <a:off x="7043566" y="1099327"/>
+              <a:ext cx="1132576" cy="431244"/>
             </a:xfrm>
             <a:prstGeom prst="ellipse">
               <a:avLst/>
@@ -12862,7 +12885,15 @@
               <a:pPr algn="ctr"/>
               <a:r>
                 <a:rPr lang="ko-KR" altLang="en-US" sz="1100" dirty="0" smtClean="0"/>
-                <a:t>마음건강검사 참여</a:t>
+                <a:t>마음 건강</a:t>
+              </a:r>
+              <a:endParaRPr lang="en-US" altLang="ko-KR" sz="1100" dirty="0" smtClean="0"/>
+            </a:p>
+            <a:p>
+              <a:pPr algn="ctr"/>
+              <a:r>
+                <a:rPr lang="ko-KR" altLang="en-US" sz="1100" dirty="0" smtClean="0"/>
+                <a:t>검사 참여</a:t>
               </a:r>
               <a:endParaRPr lang="ko-KR" altLang="en-US" sz="1100" dirty="0"/>
             </a:p>
@@ -12876,8 +12907,8 @@
           </p:nvSpPr>
           <p:spPr>
             <a:xfrm>
-              <a:off x="7069202" y="960067"/>
-              <a:ext cx="1146999" cy="251872"/>
+              <a:off x="7068569" y="1562671"/>
+              <a:ext cx="1132576" cy="431244"/>
             </a:xfrm>
             <a:prstGeom prst="ellipse">
               <a:avLst/>
@@ -12915,20 +12946,18 @@
         <p:nvCxnSpPr>
           <p:cNvPr id="127" name="구부러진 연결선 126"/>
           <p:cNvCxnSpPr>
-            <a:stCxn id="28" idx="6"/>
+            <a:stCxn id="28" idx="7"/>
             <a:endCxn id="119" idx="1"/>
           </p:cNvCxnSpPr>
           <p:nvPr/>
         </p:nvCxnSpPr>
         <p:spPr>
-          <a:xfrm flipV="1">
-            <a:off x="6092713" y="1256364"/>
-            <a:ext cx="2119691" cy="953714"/>
-          </a:xfrm>
-          <a:prstGeom prst="curvedConnector3">
-            <a:avLst>
-              <a:gd name="adj1" fmla="val 50000"/>
-            </a:avLst>
+          <a:xfrm rot="5400000" flipH="1" flipV="1">
+            <a:off x="6917175" y="979144"/>
+            <a:ext cx="105356" cy="2951712"/>
+          </a:xfrm>
+          <a:prstGeom prst="curvedConnector2">
+            <a:avLst/>
           </a:prstGeom>
           <a:ln>
             <a:tailEnd type="triangle"/>
@@ -12953,14 +12982,15 @@
         <p:nvCxnSpPr>
           <p:cNvPr id="133" name="구부러진 연결선 132"/>
           <p:cNvCxnSpPr>
+            <a:stCxn id="28" idx="6"/>
             <a:endCxn id="29" idx="2"/>
           </p:cNvCxnSpPr>
           <p:nvPr/>
         </p:nvCxnSpPr>
         <p:spPr>
-          <a:xfrm flipV="1">
-            <a:off x="6425333" y="3176425"/>
-            <a:ext cx="1386160" cy="371564"/>
+          <a:xfrm>
+            <a:off x="5651401" y="2651950"/>
+            <a:ext cx="1133351" cy="266855"/>
           </a:xfrm>
           <a:prstGeom prst="curvedConnector3">
             <a:avLst/>
@@ -12992,10 +13022,10 @@
         </p:nvGrpSpPr>
         <p:grpSpPr>
           <a:xfrm>
-            <a:off x="9420522" y="3150566"/>
-            <a:ext cx="1834217" cy="2419903"/>
+            <a:off x="10170782" y="4145413"/>
+            <a:ext cx="1656000" cy="2300400"/>
             <a:chOff x="8830437" y="3386537"/>
-            <a:chExt cx="1834217" cy="2419903"/>
+            <a:chExt cx="1834217" cy="2917581"/>
           </a:xfrm>
         </p:grpSpPr>
         <p:sp>
@@ -13007,7 +13037,7 @@
           <p:spPr>
             <a:xfrm>
               <a:off x="8830437" y="3386537"/>
-              <a:ext cx="1834217" cy="2419903"/>
+              <a:ext cx="1834217" cy="2917581"/>
             </a:xfrm>
             <a:prstGeom prst="rect">
               <a:avLst/>
@@ -13044,8 +13074,8 @@
           </p:nvSpPr>
           <p:spPr>
             <a:xfrm>
-              <a:off x="8976906" y="3665276"/>
-              <a:ext cx="1514429" cy="372516"/>
+              <a:off x="8971629" y="3856395"/>
+              <a:ext cx="1594971" cy="547903"/>
             </a:xfrm>
             <a:prstGeom prst="ellipse">
               <a:avLst/>
@@ -13071,12 +13101,16 @@
             <a:p>
               <a:pPr algn="ctr"/>
               <a:r>
-                <a:rPr lang="ko-KR" altLang="en-US" sz="1100" dirty="0" err="1" smtClean="0"/>
-                <a:t>신청자별</a:t>
+                <a:rPr lang="ko-KR" altLang="en-US" sz="1100" dirty="0" smtClean="0"/>
+                <a:t>신청자 별</a:t>
               </a:r>
+              <a:endParaRPr lang="en-US" altLang="ko-KR" sz="1100" dirty="0" smtClean="0"/>
+            </a:p>
+            <a:p>
+              <a:pPr algn="ctr"/>
               <a:r>
                 <a:rPr lang="ko-KR" altLang="en-US" sz="1100" dirty="0" smtClean="0"/>
-                <a:t> 상담신청</a:t>
+                <a:t>상담신청</a:t>
               </a:r>
               <a:endParaRPr lang="ko-KR" altLang="en-US" sz="1100" dirty="0"/>
             </a:p>
@@ -13090,7 +13124,7 @@
           </p:nvSpPr>
           <p:spPr>
             <a:xfrm>
-              <a:off x="9340395" y="3402767"/>
+              <a:off x="9270131" y="3455386"/>
               <a:ext cx="854721" cy="276999"/>
             </a:xfrm>
             <a:prstGeom prst="rect">
@@ -13120,8 +13154,8 @@
           </p:nvSpPr>
           <p:spPr>
             <a:xfrm>
-              <a:off x="8954811" y="4121522"/>
-              <a:ext cx="1558617" cy="409678"/>
+              <a:off x="8971629" y="4449037"/>
+              <a:ext cx="1594971" cy="547903"/>
             </a:xfrm>
             <a:prstGeom prst="ellipse">
               <a:avLst/>
@@ -13148,7 +13182,15 @@
               <a:pPr algn="ctr"/>
               <a:r>
                 <a:rPr lang="ko-KR" altLang="en-US" sz="1100" dirty="0" smtClean="0"/>
-                <a:t>게시판  상담 통계</a:t>
+                <a:t>게시판</a:t>
+              </a:r>
+              <a:endParaRPr lang="en-US" altLang="ko-KR" sz="1100" dirty="0" smtClean="0"/>
+            </a:p>
+            <a:p>
+              <a:pPr algn="ctr"/>
+              <a:r>
+                <a:rPr lang="ko-KR" altLang="en-US" sz="1100" dirty="0" smtClean="0"/>
+                <a:t>상담 통계</a:t>
               </a:r>
               <a:endParaRPr lang="ko-KR" altLang="en-US" sz="1100" dirty="0"/>
             </a:p>
@@ -13162,8 +13204,8 @@
           </p:nvSpPr>
           <p:spPr>
             <a:xfrm>
-              <a:off x="8954811" y="4655209"/>
-              <a:ext cx="1558617" cy="409678"/>
+              <a:off x="8971629" y="5041678"/>
+              <a:ext cx="1594971" cy="547903"/>
             </a:xfrm>
             <a:prstGeom prst="ellipse">
               <a:avLst/>
@@ -13192,9 +13234,13 @@
                 <a:rPr lang="ko-KR" altLang="en-US" sz="1100" dirty="0" err="1" smtClean="0"/>
                 <a:t>내담자별</a:t>
               </a:r>
+              <a:endParaRPr lang="en-US" altLang="ko-KR" sz="1100" dirty="0"/>
+            </a:p>
+            <a:p>
+              <a:pPr algn="ctr"/>
               <a:r>
                 <a:rPr lang="ko-KR" altLang="en-US" sz="1100" dirty="0" smtClean="0"/>
-                <a:t> 상담신청</a:t>
+                <a:t>상담신청</a:t>
               </a:r>
               <a:endParaRPr lang="ko-KR" altLang="en-US" sz="1100" dirty="0"/>
             </a:p>
@@ -13208,8 +13254,8 @@
           </p:nvSpPr>
           <p:spPr>
             <a:xfrm>
-              <a:off x="8976906" y="5252892"/>
-              <a:ext cx="1558617" cy="409678"/>
+              <a:off x="8971629" y="5634321"/>
+              <a:ext cx="1594971" cy="547903"/>
             </a:xfrm>
             <a:prstGeom prst="ellipse">
               <a:avLst/>
@@ -13243,42 +13289,6 @@
           </p:txBody>
         </p:sp>
       </p:grpSp>
-      <p:cxnSp>
-        <p:nvCxnSpPr>
-          <p:cNvPr id="154" name="구부러진 연결선 153"/>
-          <p:cNvCxnSpPr>
-            <a:stCxn id="124" idx="6"/>
-            <a:endCxn id="145" idx="0"/>
-          </p:cNvCxnSpPr>
-          <p:nvPr/>
-        </p:nvCxnSpPr>
-        <p:spPr>
-          <a:xfrm>
-            <a:off x="9444104" y="899736"/>
-            <a:ext cx="913737" cy="2267060"/>
-          </a:xfrm>
-          <a:prstGeom prst="curvedConnector2">
-            <a:avLst/>
-          </a:prstGeom>
-          <a:ln>
-            <a:tailEnd type="triangle"/>
-          </a:ln>
-        </p:spPr>
-        <p:style>
-          <a:lnRef idx="2">
-            <a:schemeClr val="dk1"/>
-          </a:lnRef>
-          <a:fillRef idx="0">
-            <a:schemeClr val="dk1"/>
-          </a:fillRef>
-          <a:effectRef idx="1">
-            <a:schemeClr val="dk1"/>
-          </a:effectRef>
-          <a:fontRef idx="minor">
-            <a:schemeClr val="tx1"/>
-          </a:fontRef>
-        </p:style>
-      </p:cxnSp>
       <p:grpSp>
         <p:nvGrpSpPr>
           <p:cNvPr id="78" name="그룹 77"/>
@@ -13287,7 +13297,7 @@
         </p:nvGrpSpPr>
         <p:grpSpPr>
           <a:xfrm>
-            <a:off x="5836884" y="2938688"/>
+            <a:off x="5822072" y="3021368"/>
             <a:ext cx="607859" cy="1125536"/>
             <a:chOff x="5967164" y="2998774"/>
             <a:chExt cx="607859" cy="1125536"/>
@@ -13548,8 +13558,8 @@
         </p:nvGrpSpPr>
         <p:grpSpPr>
           <a:xfrm>
-            <a:off x="7366101" y="3929098"/>
-            <a:ext cx="1579790" cy="1301018"/>
+            <a:off x="8124185" y="3930305"/>
+            <a:ext cx="1656000" cy="1908000"/>
             <a:chOff x="4853911" y="4247116"/>
             <a:chExt cx="1579790" cy="1301018"/>
           </a:xfrm>
@@ -13600,7 +13610,7 @@
           </p:nvSpPr>
           <p:spPr>
             <a:xfrm>
-              <a:off x="4900327" y="4534873"/>
+              <a:off x="4938088" y="4536201"/>
               <a:ext cx="1411435" cy="251872"/>
             </a:xfrm>
             <a:prstGeom prst="ellipse">
@@ -13676,7 +13686,7 @@
           </p:nvSpPr>
           <p:spPr>
             <a:xfrm>
-              <a:off x="4900327" y="5196031"/>
+              <a:off x="4938088" y="5196031"/>
               <a:ext cx="1411435" cy="251872"/>
             </a:xfrm>
             <a:prstGeom prst="ellipse">
@@ -13718,7 +13728,7 @@
           </p:nvSpPr>
           <p:spPr>
             <a:xfrm>
-              <a:off x="4900325" y="4856842"/>
+              <a:off x="4938088" y="4856842"/>
               <a:ext cx="1411435" cy="251872"/>
             </a:xfrm>
             <a:prstGeom prst="ellipse">
@@ -13765,10 +13775,10 @@
         </p:nvGrpSpPr>
         <p:grpSpPr>
           <a:xfrm>
-            <a:off x="10515090" y="136377"/>
-            <a:ext cx="1489909" cy="2295678"/>
+            <a:off x="10421932" y="189438"/>
+            <a:ext cx="1656000" cy="2666544"/>
             <a:chOff x="9396467" y="521183"/>
-            <a:chExt cx="1489909" cy="2295678"/>
+            <a:chExt cx="1302462" cy="2295678"/>
           </a:xfrm>
         </p:grpSpPr>
         <p:sp>
@@ -13817,8 +13827,8 @@
           </p:nvSpPr>
           <p:spPr>
             <a:xfrm>
-              <a:off x="9822215" y="551004"/>
-              <a:ext cx="1064161" cy="261610"/>
+              <a:off x="9717325" y="532108"/>
+              <a:ext cx="719604" cy="333281"/>
             </a:xfrm>
             <a:prstGeom prst="rect">
               <a:avLst/>
@@ -13832,14 +13842,10 @@
             <a:lstStyle/>
             <a:p>
               <a:r>
-                <a:rPr lang="ko-KR" altLang="en-US" sz="1000" dirty="0" smtClean="0"/>
-                <a:t>유입 </a:t>
+                <a:rPr lang="ko-KR" altLang="en-US" sz="1200" dirty="0" smtClean="0"/>
+                <a:t>유입 관리</a:t>
               </a:r>
-              <a:r>
-                <a:rPr lang="ko-KR" altLang="en-US" sz="1100" dirty="0" smtClean="0"/>
-                <a:t>관리</a:t>
-              </a:r>
-              <a:endParaRPr lang="ko-KR" altLang="en-US" sz="1000" dirty="0"/>
+              <a:endParaRPr lang="ko-KR" altLang="en-US" sz="1200" dirty="0"/>
             </a:p>
           </p:txBody>
         </p:sp>
@@ -13851,8 +13857,8 @@
           </p:nvSpPr>
           <p:spPr>
             <a:xfrm>
-              <a:off x="9529094" y="856198"/>
-              <a:ext cx="1057925" cy="266140"/>
+              <a:off x="9563834" y="856198"/>
+              <a:ext cx="991004" cy="309931"/>
             </a:xfrm>
             <a:prstGeom prst="ellipse">
               <a:avLst/>
@@ -13893,8 +13899,8 @@
           </p:nvSpPr>
           <p:spPr>
             <a:xfrm>
-              <a:off x="9463841" y="1952445"/>
-              <a:ext cx="1143670" cy="364291"/>
+              <a:off x="9563834" y="1993564"/>
+              <a:ext cx="991004" cy="309931"/>
             </a:xfrm>
             <a:prstGeom prst="ellipse">
               <a:avLst/>
@@ -13939,8 +13945,8 @@
           </p:nvSpPr>
           <p:spPr>
             <a:xfrm>
-              <a:off x="9443184" y="1520222"/>
-              <a:ext cx="1184983" cy="362024"/>
+              <a:off x="9563834" y="1614442"/>
+              <a:ext cx="991004" cy="309931"/>
             </a:xfrm>
             <a:prstGeom prst="ellipse">
               <a:avLst/>
@@ -13981,8 +13987,8 @@
           </p:nvSpPr>
           <p:spPr>
             <a:xfrm>
-              <a:off x="9684485" y="1192537"/>
-              <a:ext cx="695211" cy="251872"/>
+              <a:off x="9563834" y="1235320"/>
+              <a:ext cx="991004" cy="309931"/>
             </a:xfrm>
             <a:prstGeom prst="ellipse">
               <a:avLst/>
@@ -14023,8 +14029,8 @@
           </p:nvSpPr>
           <p:spPr>
             <a:xfrm>
-              <a:off x="9480535" y="2372687"/>
-              <a:ext cx="1155044" cy="333454"/>
+              <a:off x="9563834" y="2372686"/>
+              <a:ext cx="991004" cy="309931"/>
             </a:xfrm>
             <a:prstGeom prst="ellipse">
               <a:avLst/>
@@ -14068,12 +14074,14 @@
           <p:nvPr/>
         </p:nvCxnSpPr>
         <p:spPr>
-          <a:xfrm>
-            <a:off x="9469726" y="561156"/>
-            <a:ext cx="1045364" cy="723060"/>
+          <a:xfrm flipV="1">
+            <a:off x="9993709" y="1522710"/>
+            <a:ext cx="428223" cy="287552"/>
           </a:xfrm>
           <a:prstGeom prst="curvedConnector3">
-            <a:avLst/>
+            <a:avLst>
+              <a:gd name="adj1" fmla="val 50000"/>
+            </a:avLst>
           </a:prstGeom>
           <a:ln>
             <a:tailEnd type="triangle"/>
@@ -14102,10 +14110,10 @@
         </p:nvGrpSpPr>
         <p:grpSpPr>
           <a:xfrm>
-            <a:off x="4554999" y="152749"/>
-            <a:ext cx="2260153" cy="1496662"/>
+            <a:off x="6397549" y="210333"/>
+            <a:ext cx="1908000" cy="1887105"/>
             <a:chOff x="1758788" y="1744036"/>
-            <a:chExt cx="2097310" cy="1246793"/>
+            <a:chExt cx="1770529" cy="1246793"/>
           </a:xfrm>
         </p:grpSpPr>
         <p:sp>
@@ -14117,7 +14125,7 @@
           <p:spPr>
             <a:xfrm>
               <a:off x="1758788" y="1744036"/>
-              <a:ext cx="2097310" cy="1246793"/>
+              <a:ext cx="1770529" cy="1246793"/>
             </a:xfrm>
             <a:prstGeom prst="rect">
               <a:avLst/>
@@ -14154,8 +14162,8 @@
           </p:nvSpPr>
           <p:spPr>
             <a:xfrm>
-              <a:off x="1888914" y="1941892"/>
-              <a:ext cx="1766426" cy="306249"/>
+              <a:off x="1929116" y="1941892"/>
+              <a:ext cx="1503279" cy="285418"/>
             </a:xfrm>
             <a:prstGeom prst="ellipse">
               <a:avLst/>
@@ -14204,8 +14212,8 @@
           </p:nvSpPr>
           <p:spPr>
             <a:xfrm>
-              <a:off x="2229890" y="1746009"/>
-              <a:ext cx="1132041" cy="276999"/>
+              <a:off x="2141386" y="1751850"/>
+              <a:ext cx="1078740" cy="183011"/>
             </a:xfrm>
             <a:prstGeom prst="rect">
               <a:avLst/>
@@ -14220,13 +14228,9 @@
             <a:p>
               <a:r>
                 <a:rPr lang="ko-KR" altLang="en-US" sz="1200" dirty="0" smtClean="0"/>
-                <a:t>이용제한</a:t>
+                <a:t>이용제한 관리</a:t>
               </a:r>
-              <a:r>
-                <a:rPr lang="ko-KR" altLang="en-US" sz="1100" dirty="0" smtClean="0"/>
-                <a:t> 관리</a:t>
-              </a:r>
-              <a:endParaRPr lang="ko-KR" altLang="en-US" sz="1100" dirty="0"/>
+              <a:endParaRPr lang="ko-KR" altLang="en-US" sz="1200" dirty="0"/>
             </a:p>
           </p:txBody>
         </p:sp>
@@ -14238,8 +14242,8 @@
           </p:nvSpPr>
           <p:spPr>
             <a:xfrm>
-              <a:off x="1941539" y="2266534"/>
-              <a:ext cx="1674891" cy="301613"/>
+              <a:off x="1929116" y="2285581"/>
+              <a:ext cx="1503279" cy="285418"/>
             </a:xfrm>
             <a:prstGeom prst="ellipse">
               <a:avLst/>
@@ -14288,8 +14292,8 @@
           </p:nvSpPr>
           <p:spPr>
             <a:xfrm>
-              <a:off x="2015886" y="2595735"/>
-              <a:ext cx="1574264" cy="317730"/>
+              <a:off x="1929116" y="2629269"/>
+              <a:ext cx="1503279" cy="285418"/>
             </a:xfrm>
             <a:prstGeom prst="ellipse">
               <a:avLst/>
@@ -14334,8 +14338,8 @@
         </p:nvCxnSpPr>
         <p:spPr>
           <a:xfrm flipV="1">
-            <a:off x="3222077" y="901080"/>
-            <a:ext cx="1332922" cy="499991"/>
+            <a:off x="5789850" y="1153886"/>
+            <a:ext cx="607699" cy="591947"/>
           </a:xfrm>
           <a:prstGeom prst="curvedConnector3">
             <a:avLst/>
@@ -14370,8 +14374,8 @@
         </p:nvCxnSpPr>
         <p:spPr>
           <a:xfrm rot="10800000">
-            <a:off x="1101504" y="4400589"/>
-            <a:ext cx="3001303" cy="534921"/>
+            <a:off x="1208848" y="4291187"/>
+            <a:ext cx="2260709" cy="511785"/>
           </a:xfrm>
           <a:prstGeom prst="curvedConnector2">
             <a:avLst/>
@@ -14403,10 +14407,10 @@
         </p:nvGrpSpPr>
         <p:grpSpPr>
           <a:xfrm>
-            <a:off x="166946" y="2518200"/>
-            <a:ext cx="1869114" cy="1882388"/>
-            <a:chOff x="240217" y="2159931"/>
-            <a:chExt cx="1869114" cy="1882388"/>
+            <a:off x="380847" y="2402322"/>
+            <a:ext cx="1656000" cy="1888864"/>
+            <a:chOff x="240217" y="2178809"/>
+            <a:chExt cx="1869114" cy="1863509"/>
           </a:xfrm>
         </p:grpSpPr>
         <p:grpSp>
@@ -14417,10 +14421,10 @@
           </p:nvGrpSpPr>
           <p:grpSpPr>
             <a:xfrm>
-              <a:off x="240217" y="2159931"/>
-              <a:ext cx="1869114" cy="1882388"/>
-              <a:chOff x="422087" y="2444931"/>
-              <a:chExt cx="1869114" cy="1379790"/>
+              <a:off x="240217" y="2178809"/>
+              <a:ext cx="1869114" cy="1863509"/>
+              <a:chOff x="422087" y="2458769"/>
+              <a:chExt cx="1869114" cy="1365952"/>
             </a:xfrm>
           </p:grpSpPr>
           <p:sp>
@@ -14469,8 +14473,8 @@
             </p:nvSpPr>
             <p:spPr>
               <a:xfrm>
-                <a:off x="673626" y="2444931"/>
-                <a:ext cx="1340432" cy="276999"/>
+                <a:off x="608636" y="2463222"/>
+                <a:ext cx="1547310" cy="200315"/>
               </a:xfrm>
               <a:prstGeom prst="rect">
                 <a:avLst/>
@@ -14485,13 +14489,9 @@
               <a:p>
                 <a:r>
                   <a:rPr lang="ko-KR" altLang="en-US" sz="1200" dirty="0" smtClean="0"/>
-                  <a:t>비대면 상담</a:t>
+                  <a:t>비대면 상담 관리</a:t>
                 </a:r>
-                <a:r>
-                  <a:rPr lang="ko-KR" altLang="en-US" sz="1100" dirty="0" smtClean="0"/>
-                  <a:t> 관리</a:t>
-                </a:r>
-                <a:endParaRPr lang="ko-KR" altLang="en-US" sz="1100" dirty="0"/>
+                <a:endParaRPr lang="ko-KR" altLang="en-US" sz="1200" dirty="0"/>
               </a:p>
             </p:txBody>
           </p:sp>
@@ -14503,8 +14503,8 @@
             </p:nvSpPr>
             <p:spPr>
               <a:xfrm>
-                <a:off x="513316" y="2716702"/>
-                <a:ext cx="1601135" cy="284676"/>
+                <a:off x="534422" y="2680681"/>
+                <a:ext cx="1665949" cy="312405"/>
               </a:xfrm>
               <a:prstGeom prst="ellipse">
                 <a:avLst/>
@@ -14531,15 +14531,15 @@
                 <a:pPr algn="ctr"/>
                 <a:r>
                   <a:rPr lang="ko-KR" altLang="en-US" sz="1100" dirty="0" smtClean="0"/>
-                  <a:t> </a:t>
+                  <a:t> 상담 일정</a:t>
                 </a:r>
-                <a:r>
-                  <a:rPr lang="ko-KR" altLang="en-US" sz="1100" dirty="0" err="1" smtClean="0"/>
-                  <a:t>상담일정</a:t>
-                </a:r>
+                <a:endParaRPr lang="en-US" altLang="ko-KR" sz="1100" dirty="0" smtClean="0"/>
+              </a:p>
+              <a:p>
+                <a:pPr algn="ctr"/>
                 <a:r>
                   <a:rPr lang="ko-KR" altLang="en-US" sz="1100" dirty="0" smtClean="0"/>
-                  <a:t> 조회</a:t>
+                  <a:t>조회</a:t>
                 </a:r>
                 <a:endParaRPr lang="ko-KR" altLang="en-US" sz="1100" dirty="0"/>
               </a:p>
@@ -14553,8 +14553,8 @@
             </p:nvSpPr>
             <p:spPr>
               <a:xfrm>
-                <a:off x="513316" y="3050928"/>
-                <a:ext cx="1598165" cy="294310"/>
+                <a:off x="534422" y="3048625"/>
+                <a:ext cx="1665949" cy="312405"/>
               </a:xfrm>
               <a:prstGeom prst="ellipse">
                 <a:avLst/>
@@ -14581,7 +14581,15 @@
                 <a:pPr algn="ctr"/>
                 <a:r>
                   <a:rPr lang="ko-KR" altLang="en-US" sz="1100" dirty="0" smtClean="0"/>
-                  <a:t>상담신청 수락 및 거절</a:t>
+                  <a:t>상담신청</a:t>
+                </a:r>
+                <a:endParaRPr lang="en-US" altLang="ko-KR" sz="1100" dirty="0" smtClean="0"/>
+              </a:p>
+              <a:p>
+                <a:pPr algn="ctr"/>
+                <a:r>
+                  <a:rPr lang="ko-KR" altLang="en-US" sz="1100" dirty="0" smtClean="0"/>
+                  <a:t>수락 및 거절</a:t>
                 </a:r>
                 <a:endParaRPr lang="ko-KR" altLang="en-US" sz="1100" dirty="0"/>
               </a:p>
@@ -14596,8 +14604,8 @@
           </p:nvSpPr>
           <p:spPr>
             <a:xfrm>
-              <a:off x="373660" y="3485497"/>
-              <a:ext cx="1596796" cy="388371"/>
+              <a:off x="352552" y="3485496"/>
+              <a:ext cx="1665949" cy="426201"/>
             </a:xfrm>
             <a:prstGeom prst="ellipse">
               <a:avLst/>
@@ -14624,15 +14632,15 @@
               <a:pPr algn="ctr"/>
               <a:r>
                 <a:rPr lang="ko-KR" altLang="en-US" sz="1100" dirty="0" smtClean="0"/>
-                <a:t> </a:t>
+                <a:t> 상담 현황</a:t>
               </a:r>
-              <a:r>
-                <a:rPr lang="ko-KR" altLang="en-US" sz="1100" dirty="0" err="1" smtClean="0"/>
-                <a:t>상담현황</a:t>
-              </a:r>
+              <a:endParaRPr lang="en-US" altLang="ko-KR" sz="1100" dirty="0"/>
+            </a:p>
+            <a:p>
+              <a:pPr algn="ctr"/>
               <a:r>
                 <a:rPr lang="ko-KR" altLang="en-US" sz="1100" dirty="0" smtClean="0"/>
-                <a:t> 제공</a:t>
+                <a:t>제공</a:t>
               </a:r>
               <a:endParaRPr lang="ko-KR" altLang="en-US" sz="1100" dirty="0"/>
             </a:p>
@@ -14647,8 +14655,8 @@
         </p:nvGrpSpPr>
         <p:grpSpPr>
           <a:xfrm>
-            <a:off x="373660" y="58217"/>
-            <a:ext cx="3061147" cy="1651855"/>
+            <a:off x="2956670" y="103438"/>
+            <a:ext cx="3061147" cy="1988729"/>
             <a:chOff x="351808" y="90467"/>
             <a:chExt cx="3061147" cy="1651855"/>
           </a:xfrm>
@@ -14713,8 +14721,8 @@
             </p:nvSpPr>
             <p:spPr>
               <a:xfrm>
-                <a:off x="2709532" y="1095149"/>
-                <a:ext cx="1054996" cy="308443"/>
+                <a:off x="2794165" y="1123757"/>
+                <a:ext cx="1095414" cy="299687"/>
               </a:xfrm>
               <a:prstGeom prst="ellipse">
                 <a:avLst/>
@@ -14755,8 +14763,8 @@
             </p:nvSpPr>
             <p:spPr>
               <a:xfrm>
-                <a:off x="4213944" y="357486"/>
-                <a:ext cx="1081844" cy="295570"/>
+                <a:off x="4112336" y="400022"/>
+                <a:ext cx="1095414" cy="299687"/>
               </a:xfrm>
               <a:prstGeom prst="ellipse">
                 <a:avLst/>
@@ -14797,8 +14805,8 @@
             </p:nvSpPr>
             <p:spPr>
               <a:xfrm>
-                <a:off x="2709067" y="403593"/>
-                <a:ext cx="1067618" cy="283752"/>
+                <a:off x="2794165" y="400022"/>
+                <a:ext cx="1095414" cy="299687"/>
               </a:xfrm>
               <a:prstGeom prst="ellipse">
                 <a:avLst/>
@@ -14839,8 +14847,8 @@
             </p:nvSpPr>
             <p:spPr>
               <a:xfrm>
-                <a:off x="3577466" y="165088"/>
-                <a:ext cx="1348740" cy="276999"/>
+                <a:off x="3709101" y="170801"/>
+                <a:ext cx="767951" cy="192160"/>
               </a:xfrm>
               <a:prstGeom prst="rect">
                 <a:avLst/>
@@ -14869,8 +14877,8 @@
             </p:nvSpPr>
             <p:spPr>
               <a:xfrm>
-                <a:off x="4104302" y="1127385"/>
-                <a:ext cx="1117084" cy="276207"/>
+                <a:off x="4112336" y="1133463"/>
+                <a:ext cx="1095414" cy="299687"/>
               </a:xfrm>
               <a:prstGeom prst="ellipse">
                 <a:avLst/>
@@ -14911,8 +14919,8 @@
             </p:nvSpPr>
             <p:spPr>
               <a:xfrm>
-                <a:off x="2714578" y="718428"/>
-                <a:ext cx="1065398" cy="304022"/>
+                <a:off x="2794165" y="761890"/>
+                <a:ext cx="1095414" cy="299687"/>
               </a:xfrm>
               <a:prstGeom prst="ellipse">
                 <a:avLst/>
@@ -14954,8 +14962,8 @@
           </p:nvSpPr>
           <p:spPr>
             <a:xfrm>
-              <a:off x="1725213" y="780162"/>
-              <a:ext cx="1595855" cy="388371"/>
+              <a:off x="1808122" y="836159"/>
+              <a:ext cx="1529735" cy="358823"/>
             </a:xfrm>
             <a:prstGeom prst="ellipse">
               <a:avLst/>
@@ -14989,14 +14997,54 @@
                 <a:t>/</a:t>
               </a:r>
               <a:r>
+                <a:rPr lang="ko-KR" altLang="en-US" sz="1100" dirty="0" err="1" smtClean="0"/>
+                <a:t>탈퇴회원</a:t>
+              </a:r>
+              <a:r>
                 <a:rPr lang="ko-KR" altLang="en-US" sz="1100" dirty="0" smtClean="0"/>
-                <a:t>탈퇴 회원 현황 조회</a:t>
+                <a:t> 현황 조회</a:t>
               </a:r>
               <a:endParaRPr lang="ko-KR" altLang="en-US" sz="1100" dirty="0"/>
             </a:p>
           </p:txBody>
         </p:sp>
       </p:grpSp>
+      <p:cxnSp>
+        <p:nvCxnSpPr>
+          <p:cNvPr id="154" name="구부러진 연결선 153"/>
+          <p:cNvCxnSpPr>
+            <a:stCxn id="124" idx="6"/>
+            <a:endCxn id="143" idx="0"/>
+          </p:cNvCxnSpPr>
+          <p:nvPr/>
+        </p:nvCxnSpPr>
+        <p:spPr>
+          <a:xfrm>
+            <a:off x="9992596" y="2738572"/>
+            <a:ext cx="1006186" cy="1406841"/>
+          </a:xfrm>
+          <a:prstGeom prst="curvedConnector2">
+            <a:avLst/>
+          </a:prstGeom>
+          <a:ln>
+            <a:tailEnd type="triangle"/>
+          </a:ln>
+        </p:spPr>
+        <p:style>
+          <a:lnRef idx="2">
+            <a:schemeClr val="dk1"/>
+          </a:lnRef>
+          <a:fillRef idx="0">
+            <a:schemeClr val="dk1"/>
+          </a:fillRef>
+          <a:effectRef idx="1">
+            <a:schemeClr val="dk1"/>
+          </a:effectRef>
+          <a:fontRef idx="minor">
+            <a:schemeClr val="tx1"/>
+          </a:fontRef>
+        </p:style>
+      </p:cxnSp>
     </p:spTree>
     <p:extLst>
       <p:ext uri="{BB962C8B-B14F-4D97-AF65-F5344CB8AC3E}">

--- a/문서 관리/07. 유스케이스.pptx
+++ b/문서 관리/07. 유스케이스.pptx
@@ -9943,15 +9943,15 @@
         <p:nvCxnSpPr>
           <p:cNvPr id="188" name="구부러진 연결선 187"/>
           <p:cNvCxnSpPr>
-            <a:stCxn id="175" idx="4"/>
+            <a:stCxn id="175" idx="3"/>
             <a:endCxn id="184" idx="0"/>
           </p:cNvCxnSpPr>
           <p:nvPr/>
         </p:nvCxnSpPr>
         <p:spPr>
           <a:xfrm rot="16200000" flipH="1">
-            <a:off x="8396267" y="4265913"/>
-            <a:ext cx="518698" cy="1012668"/>
+            <a:off x="8299777" y="4169422"/>
+            <a:ext cx="595465" cy="1128882"/>
           </a:xfrm>
           <a:prstGeom prst="curvedConnector3">
             <a:avLst>
@@ -13232,7 +13232,11 @@
               <a:pPr algn="ctr"/>
               <a:r>
                 <a:rPr lang="ko-KR" altLang="en-US" sz="1100" dirty="0" err="1" smtClean="0"/>
-                <a:t>내담자별</a:t>
+                <a:t>내담자</a:t>
+              </a:r>
+              <a:r>
+                <a:rPr lang="ko-KR" altLang="en-US" sz="1100" dirty="0" smtClean="0"/>
+                <a:t> 별</a:t>
               </a:r>
               <a:endParaRPr lang="en-US" altLang="ko-KR" sz="1100" dirty="0"/>
             </a:p>
@@ -13926,14 +13930,14 @@
             <a:p>
               <a:pPr algn="ctr"/>
               <a:r>
-                <a:rPr lang="ko-KR" altLang="en-US" sz="1000" dirty="0" err="1" smtClean="0"/>
+                <a:rPr lang="ko-KR" altLang="en-US" sz="1100" dirty="0" err="1" smtClean="0"/>
                 <a:t>접속자</a:t>
               </a:r>
               <a:r>
-                <a:rPr lang="ko-KR" altLang="en-US" sz="1000" dirty="0" smtClean="0"/>
+                <a:rPr lang="ko-KR" altLang="en-US" sz="1100" dirty="0" smtClean="0"/>
                 <a:t> 수</a:t>
               </a:r>
-              <a:endParaRPr lang="ko-KR" altLang="en-US" sz="1000" dirty="0"/>
+              <a:endParaRPr lang="ko-KR" altLang="en-US" sz="1100" dirty="0"/>
             </a:p>
           </p:txBody>
         </p:sp>

--- a/문서 관리/07. 유스케이스.pptx
+++ b/문서 관리/07. 유스케이스.pptx
@@ -245,7 +245,7 @@
           <a:p>
             <a:fld id="{19FDD50A-CFF0-4AD3-91EA-AE2AFF9D3E3A}" type="datetimeFigureOut">
               <a:rPr lang="ko-KR" altLang="en-US" smtClean="0"/>
-              <a:t>2023-05-09</a:t>
+              <a:t>2023-06-19</a:t>
             </a:fld>
             <a:endParaRPr lang="ko-KR" altLang="en-US"/>
           </a:p>
@@ -415,7 +415,7 @@
           <a:p>
             <a:fld id="{19FDD50A-CFF0-4AD3-91EA-AE2AFF9D3E3A}" type="datetimeFigureOut">
               <a:rPr lang="ko-KR" altLang="en-US" smtClean="0"/>
-              <a:t>2023-05-09</a:t>
+              <a:t>2023-06-19</a:t>
             </a:fld>
             <a:endParaRPr lang="ko-KR" altLang="en-US"/>
           </a:p>
@@ -595,7 +595,7 @@
           <a:p>
             <a:fld id="{19FDD50A-CFF0-4AD3-91EA-AE2AFF9D3E3A}" type="datetimeFigureOut">
               <a:rPr lang="ko-KR" altLang="en-US" smtClean="0"/>
-              <a:t>2023-05-09</a:t>
+              <a:t>2023-06-19</a:t>
             </a:fld>
             <a:endParaRPr lang="ko-KR" altLang="en-US"/>
           </a:p>
@@ -765,7 +765,7 @@
           <a:p>
             <a:fld id="{19FDD50A-CFF0-4AD3-91EA-AE2AFF9D3E3A}" type="datetimeFigureOut">
               <a:rPr lang="ko-KR" altLang="en-US" smtClean="0"/>
-              <a:t>2023-05-09</a:t>
+              <a:t>2023-06-19</a:t>
             </a:fld>
             <a:endParaRPr lang="ko-KR" altLang="en-US"/>
           </a:p>
@@ -1011,7 +1011,7 @@
           <a:p>
             <a:fld id="{19FDD50A-CFF0-4AD3-91EA-AE2AFF9D3E3A}" type="datetimeFigureOut">
               <a:rPr lang="ko-KR" altLang="en-US" smtClean="0"/>
-              <a:t>2023-05-09</a:t>
+              <a:t>2023-06-19</a:t>
             </a:fld>
             <a:endParaRPr lang="ko-KR" altLang="en-US"/>
           </a:p>
@@ -1243,7 +1243,7 @@
           <a:p>
             <a:fld id="{19FDD50A-CFF0-4AD3-91EA-AE2AFF9D3E3A}" type="datetimeFigureOut">
               <a:rPr lang="ko-KR" altLang="en-US" smtClean="0"/>
-              <a:t>2023-05-09</a:t>
+              <a:t>2023-06-19</a:t>
             </a:fld>
             <a:endParaRPr lang="ko-KR" altLang="en-US"/>
           </a:p>
@@ -1610,7 +1610,7 @@
           <a:p>
             <a:fld id="{19FDD50A-CFF0-4AD3-91EA-AE2AFF9D3E3A}" type="datetimeFigureOut">
               <a:rPr lang="ko-KR" altLang="en-US" smtClean="0"/>
-              <a:t>2023-05-09</a:t>
+              <a:t>2023-06-19</a:t>
             </a:fld>
             <a:endParaRPr lang="ko-KR" altLang="en-US"/>
           </a:p>
@@ -1728,7 +1728,7 @@
           <a:p>
             <a:fld id="{19FDD50A-CFF0-4AD3-91EA-AE2AFF9D3E3A}" type="datetimeFigureOut">
               <a:rPr lang="ko-KR" altLang="en-US" smtClean="0"/>
-              <a:t>2023-05-09</a:t>
+              <a:t>2023-06-19</a:t>
             </a:fld>
             <a:endParaRPr lang="ko-KR" altLang="en-US"/>
           </a:p>
@@ -1823,7 +1823,7 @@
           <a:p>
             <a:fld id="{19FDD50A-CFF0-4AD3-91EA-AE2AFF9D3E3A}" type="datetimeFigureOut">
               <a:rPr lang="ko-KR" altLang="en-US" smtClean="0"/>
-              <a:t>2023-05-09</a:t>
+              <a:t>2023-06-19</a:t>
             </a:fld>
             <a:endParaRPr lang="ko-KR" altLang="en-US"/>
           </a:p>
@@ -2100,7 +2100,7 @@
           <a:p>
             <a:fld id="{19FDD50A-CFF0-4AD3-91EA-AE2AFF9D3E3A}" type="datetimeFigureOut">
               <a:rPr lang="ko-KR" altLang="en-US" smtClean="0"/>
-              <a:t>2023-05-09</a:t>
+              <a:t>2023-06-19</a:t>
             </a:fld>
             <a:endParaRPr lang="ko-KR" altLang="en-US"/>
           </a:p>
@@ -2353,7 +2353,7 @@
           <a:p>
             <a:fld id="{19FDD50A-CFF0-4AD3-91EA-AE2AFF9D3E3A}" type="datetimeFigureOut">
               <a:rPr lang="ko-KR" altLang="en-US" smtClean="0"/>
-              <a:t>2023-05-09</a:t>
+              <a:t>2023-06-19</a:t>
             </a:fld>
             <a:endParaRPr lang="ko-KR" altLang="en-US"/>
           </a:p>
@@ -2566,7 +2566,7 @@
           <a:p>
             <a:fld id="{19FDD50A-CFF0-4AD3-91EA-AE2AFF9D3E3A}" type="datetimeFigureOut">
               <a:rPr lang="ko-KR" altLang="en-US" smtClean="0"/>
-              <a:t>2023-05-09</a:t>
+              <a:t>2023-06-19</a:t>
             </a:fld>
             <a:endParaRPr lang="ko-KR" altLang="en-US"/>
           </a:p>
@@ -3137,7 +3137,7 @@
         <p:spPr>
           <a:xfrm>
             <a:off x="192757" y="145194"/>
-            <a:ext cx="3790753" cy="2258271"/>
+            <a:ext cx="3790753" cy="1742915"/>
           </a:xfrm>
           <a:prstGeom prst="rect">
             <a:avLst/>
@@ -3181,12 +3181,12 @@
         </p:nvCxnSpPr>
         <p:spPr>
           <a:xfrm rot="16200000" flipV="1">
-            <a:off x="3071285" y="1420314"/>
-            <a:ext cx="612270" cy="2578571"/>
+            <a:off x="2813607" y="1162636"/>
+            <a:ext cx="1127626" cy="2578571"/>
           </a:xfrm>
           <a:prstGeom prst="curvedConnector3">
             <a:avLst>
-              <a:gd name="adj1" fmla="val 75796"/>
+              <a:gd name="adj1" fmla="val 50000"/>
             </a:avLst>
           </a:prstGeom>
           <a:ln>
@@ -3305,7 +3305,7 @@
         <p:spPr>
           <a:xfrm>
             <a:off x="2965820" y="3990232"/>
-            <a:ext cx="2553223" cy="2741896"/>
+            <a:ext cx="2553223" cy="2268780"/>
           </a:xfrm>
           <a:prstGeom prst="rect">
             <a:avLst/>
@@ -3387,7 +3387,7 @@
         </p:nvSpPr>
         <p:spPr>
           <a:xfrm>
-            <a:off x="9271427" y="310882"/>
+            <a:off x="9263111" y="3224805"/>
             <a:ext cx="2734887" cy="3069114"/>
           </a:xfrm>
           <a:prstGeom prst="rect">
@@ -3458,48 +3458,6 @@
           </a:fontRef>
         </p:style>
       </p:cxnSp>
-      <p:sp>
-        <p:nvSpPr>
-          <p:cNvPr id="52" name="직사각형 51"/>
-          <p:cNvSpPr/>
-          <p:nvPr/>
-        </p:nvSpPr>
-        <p:spPr>
-          <a:xfrm>
-            <a:off x="6602012" y="3697129"/>
-            <a:ext cx="3248239" cy="932353"/>
-          </a:xfrm>
-          <a:prstGeom prst="rect">
-            <a:avLst/>
-          </a:prstGeom>
-        </p:spPr>
-        <p:style>
-          <a:lnRef idx="2">
-            <a:schemeClr val="dk1"/>
-          </a:lnRef>
-          <a:fillRef idx="1">
-            <a:schemeClr val="lt1"/>
-          </a:fillRef>
-          <a:effectRef idx="0">
-            <a:schemeClr val="dk1"/>
-          </a:effectRef>
-          <a:fontRef idx="minor">
-            <a:schemeClr val="dk1"/>
-          </a:fontRef>
-        </p:style>
-        <p:txBody>
-          <a:bodyPr rtlCol="0" anchor="t"/>
-          <a:lstStyle/>
-          <a:p>
-            <a:pPr algn="ctr"/>
-            <a:r>
-              <a:rPr lang="ko-KR" altLang="en-US" sz="1200" dirty="0" smtClean="0"/>
-              <a:t>퀵 메뉴</a:t>
-            </a:r>
-            <a:endParaRPr lang="en-US" altLang="ko-KR" sz="1200" dirty="0" smtClean="0"/>
-          </a:p>
-        </p:txBody>
-      </p:sp>
       <p:cxnSp>
         <p:nvCxnSpPr>
           <p:cNvPr id="60" name="구부러진 연결선 59"/>
@@ -3580,10 +3538,10 @@
         </p:nvGrpSpPr>
         <p:grpSpPr>
           <a:xfrm>
-            <a:off x="5955681" y="2998774"/>
-            <a:ext cx="646331" cy="1071250"/>
-            <a:chOff x="5955681" y="2998774"/>
-            <a:chExt cx="646331" cy="1071250"/>
+            <a:off x="5897382" y="2998774"/>
+            <a:ext cx="800219" cy="1070127"/>
+            <a:chOff x="5897382" y="2998774"/>
+            <a:chExt cx="800219" cy="1070127"/>
           </a:xfrm>
         </p:grpSpPr>
         <p:grpSp>
@@ -3810,8 +3768,8 @@
           </p:nvSpPr>
           <p:spPr>
             <a:xfrm>
-              <a:off x="5955681" y="3793025"/>
-              <a:ext cx="646331" cy="276999"/>
+              <a:off x="5897382" y="3791902"/>
+              <a:ext cx="800219" cy="276999"/>
             </a:xfrm>
             <a:prstGeom prst="rect">
               <a:avLst/>
@@ -3826,7 +3784,7 @@
             <a:p>
               <a:r>
                 <a:rPr lang="ko-KR" altLang="en-US" sz="1200" dirty="0" smtClean="0"/>
-                <a:t>사용자</a:t>
+                <a:t>일반회원</a:t>
               </a:r>
               <a:endParaRPr lang="ko-KR" altLang="en-US" sz="1200" dirty="0"/>
             </a:p>
@@ -3883,7 +3841,7 @@
         </p:nvSpPr>
         <p:spPr>
           <a:xfrm>
-            <a:off x="10729404" y="1730976"/>
+            <a:off x="10721088" y="4644899"/>
             <a:ext cx="1146174" cy="482295"/>
           </a:xfrm>
           <a:prstGeom prst="ellipse">
@@ -3925,7 +3883,7 @@
         </p:nvSpPr>
         <p:spPr>
           <a:xfrm>
-            <a:off x="10723126" y="1157017"/>
+            <a:off x="10714810" y="4070940"/>
             <a:ext cx="1146174" cy="482295"/>
           </a:xfrm>
           <a:prstGeom prst="ellipse">
@@ -3975,7 +3933,7 @@
         </p:nvSpPr>
         <p:spPr>
           <a:xfrm>
-            <a:off x="9423353" y="1150162"/>
+            <a:off x="9415037" y="4064085"/>
             <a:ext cx="1146174" cy="482295"/>
           </a:xfrm>
           <a:prstGeom prst="ellipse">
@@ -4025,7 +3983,7 @@
         </p:nvSpPr>
         <p:spPr>
           <a:xfrm>
-            <a:off x="10729404" y="2277242"/>
+            <a:off x="10721088" y="5191165"/>
             <a:ext cx="1146174" cy="482295"/>
           </a:xfrm>
           <a:prstGeom prst="ellipse">
@@ -4075,7 +4033,7 @@
         </p:nvSpPr>
         <p:spPr>
           <a:xfrm>
-            <a:off x="9404364" y="588931"/>
+            <a:off x="9396048" y="3502854"/>
             <a:ext cx="1146174" cy="482295"/>
           </a:xfrm>
           <a:prstGeom prst="ellipse">
@@ -4436,14 +4394,14 @@
         </p:nvCxnSpPr>
         <p:spPr>
           <a:xfrm rot="16200000" flipH="1">
-            <a:off x="7842078" y="583203"/>
-            <a:ext cx="364261" cy="5229324"/>
+            <a:off x="6380959" y="2044323"/>
+            <a:ext cx="3278184" cy="5221008"/>
           </a:xfrm>
           <a:prstGeom prst="curvedConnector5">
             <a:avLst>
-              <a:gd name="adj1" fmla="val -62757"/>
-              <a:gd name="adj2" fmla="val 40145"/>
-              <a:gd name="adj3" fmla="val 162757"/>
+              <a:gd name="adj1" fmla="val 25231"/>
+              <a:gd name="adj2" fmla="val 69425"/>
+              <a:gd name="adj3" fmla="val 106973"/>
             </a:avLst>
           </a:prstGeom>
           <a:ln>
@@ -4623,7 +4581,7 @@
         </p:nvSpPr>
         <p:spPr>
           <a:xfrm>
-            <a:off x="2739069" y="442634"/>
+            <a:off x="2759473" y="342170"/>
             <a:ext cx="1130540" cy="615167"/>
           </a:xfrm>
           <a:prstGeom prst="ellipse">
@@ -4650,7 +4608,7 @@
           <a:p>
             <a:pPr algn="ctr"/>
             <a:r>
-              <a:rPr lang="ko-KR" altLang="en-US" sz="1100" smtClean="0"/>
+              <a:rPr lang="ko-KR" altLang="en-US" sz="1100" dirty="0" smtClean="0"/>
               <a:t>상담 신청</a:t>
             </a:r>
             <a:endParaRPr lang="en-US" altLang="ko-KR" sz="1100" dirty="0" smtClean="0"/>
@@ -4717,14 +4675,14 @@
       </p:sp>
       <p:sp>
         <p:nvSpPr>
-          <p:cNvPr id="92" name="타원 91"/>
+          <p:cNvPr id="101" name="타원 100"/>
           <p:cNvSpPr/>
           <p:nvPr/>
         </p:nvSpPr>
         <p:spPr>
           <a:xfrm>
-            <a:off x="2139170" y="1759739"/>
-            <a:ext cx="1394674" cy="563658"/>
+            <a:off x="498240" y="3454504"/>
+            <a:ext cx="886684" cy="558904"/>
           </a:xfrm>
           <a:prstGeom prst="ellipse">
             <a:avLst/>
@@ -4751,7 +4709,7 @@
             <a:pPr algn="ctr"/>
             <a:r>
               <a:rPr lang="ko-KR" altLang="en-US" sz="1100" dirty="0" smtClean="0"/>
-              <a:t>상담 만족도</a:t>
+              <a:t>맞춤형</a:t>
             </a:r>
             <a:endParaRPr lang="en-US" altLang="ko-KR" sz="1100" dirty="0" smtClean="0"/>
           </a:p>
@@ -4759,7 +4717,7 @@
             <a:pPr algn="ctr"/>
             <a:r>
               <a:rPr lang="ko-KR" altLang="en-US" sz="1100" dirty="0" smtClean="0"/>
-              <a:t>검사 참여</a:t>
+              <a:t>검사</a:t>
             </a:r>
             <a:endParaRPr lang="ko-KR" altLang="en-US" sz="1100" dirty="0"/>
           </a:p>
@@ -4767,14 +4725,14 @@
       </p:sp>
       <p:sp>
         <p:nvSpPr>
-          <p:cNvPr id="95" name="타원 94"/>
+          <p:cNvPr id="103" name="타원 102"/>
           <p:cNvSpPr/>
           <p:nvPr/>
         </p:nvSpPr>
         <p:spPr>
           <a:xfrm>
-            <a:off x="572247" y="1748739"/>
-            <a:ext cx="1493481" cy="567926"/>
+            <a:off x="1541019" y="3454504"/>
+            <a:ext cx="864328" cy="565230"/>
           </a:xfrm>
           <a:prstGeom prst="ellipse">
             <a:avLst/>
@@ -4801,57 +4759,7 @@
             <a:pPr algn="ctr"/>
             <a:r>
               <a:rPr lang="ko-KR" altLang="en-US" sz="1100" dirty="0" smtClean="0"/>
-              <a:t>마음건강검사</a:t>
-            </a:r>
-            <a:endParaRPr lang="en-US" altLang="ko-KR" sz="1100" dirty="0" smtClean="0"/>
-          </a:p>
-          <a:p>
-            <a:pPr algn="ctr"/>
-            <a:r>
-              <a:rPr lang="ko-KR" altLang="en-US" sz="1100" dirty="0" smtClean="0"/>
-              <a:t>결과 조회</a:t>
-            </a:r>
-            <a:endParaRPr lang="ko-KR" altLang="en-US" sz="1100" dirty="0"/>
-          </a:p>
-        </p:txBody>
-      </p:sp>
-      <p:sp>
-        <p:nvSpPr>
-          <p:cNvPr id="101" name="타원 100"/>
-          <p:cNvSpPr/>
-          <p:nvPr/>
-        </p:nvSpPr>
-        <p:spPr>
-          <a:xfrm>
-            <a:off x="498240" y="3454504"/>
-            <a:ext cx="886684" cy="558904"/>
-          </a:xfrm>
-          <a:prstGeom prst="ellipse">
-            <a:avLst/>
-          </a:prstGeom>
-        </p:spPr>
-        <p:style>
-          <a:lnRef idx="2">
-            <a:schemeClr val="dk1"/>
-          </a:lnRef>
-          <a:fillRef idx="1">
-            <a:schemeClr val="lt1"/>
-          </a:fillRef>
-          <a:effectRef idx="0">
-            <a:schemeClr val="dk1"/>
-          </a:effectRef>
-          <a:fontRef idx="minor">
-            <a:schemeClr val="dk1"/>
-          </a:fontRef>
-        </p:style>
-        <p:txBody>
-          <a:bodyPr rtlCol="0" anchor="ctr"/>
-          <a:lstStyle/>
-          <a:p>
-            <a:pPr algn="ctr"/>
-            <a:r>
-              <a:rPr lang="ko-KR" altLang="en-US" sz="1100" dirty="0" smtClean="0"/>
-              <a:t>맞춤형</a:t>
+              <a:t>상황별</a:t>
             </a:r>
             <a:endParaRPr lang="en-US" altLang="ko-KR" sz="1100" dirty="0" smtClean="0"/>
           </a:p>
@@ -4867,374 +4775,13 @@
       </p:sp>
       <p:sp>
         <p:nvSpPr>
-          <p:cNvPr id="102" name="타원 101"/>
-          <p:cNvSpPr/>
-          <p:nvPr/>
-        </p:nvSpPr>
-        <p:spPr>
-          <a:xfrm>
-            <a:off x="492567" y="4068901"/>
-            <a:ext cx="873322" cy="526155"/>
-          </a:xfrm>
-          <a:prstGeom prst="ellipse">
-            <a:avLst/>
-          </a:prstGeom>
-        </p:spPr>
-        <p:style>
-          <a:lnRef idx="2">
-            <a:schemeClr val="dk1"/>
-          </a:lnRef>
-          <a:fillRef idx="1">
-            <a:schemeClr val="lt1"/>
-          </a:fillRef>
-          <a:effectRef idx="0">
-            <a:schemeClr val="dk1"/>
-          </a:effectRef>
-          <a:fontRef idx="minor">
-            <a:schemeClr val="dk1"/>
-          </a:fontRef>
-        </p:style>
-        <p:txBody>
-          <a:bodyPr rtlCol="0" anchor="ctr"/>
-          <a:lstStyle/>
-          <a:p>
-            <a:pPr algn="ctr"/>
-            <a:r>
-              <a:rPr lang="ko-KR" altLang="en-US" sz="1100" dirty="0" smtClean="0"/>
-              <a:t>연령별</a:t>
-            </a:r>
-            <a:endParaRPr lang="en-US" altLang="ko-KR" sz="1100" dirty="0" smtClean="0"/>
-          </a:p>
-          <a:p>
-            <a:pPr algn="ctr"/>
-            <a:r>
-              <a:rPr lang="ko-KR" altLang="en-US" sz="1100" dirty="0" smtClean="0"/>
-              <a:t>검사</a:t>
-            </a:r>
-            <a:endParaRPr lang="ko-KR" altLang="en-US" sz="1100" dirty="0"/>
-          </a:p>
-        </p:txBody>
-      </p:sp>
-      <p:sp>
-        <p:nvSpPr>
-          <p:cNvPr id="103" name="타원 102"/>
-          <p:cNvSpPr/>
-          <p:nvPr/>
-        </p:nvSpPr>
-        <p:spPr>
-          <a:xfrm>
-            <a:off x="1541019" y="3454504"/>
-            <a:ext cx="864328" cy="565230"/>
-          </a:xfrm>
-          <a:prstGeom prst="ellipse">
-            <a:avLst/>
-          </a:prstGeom>
-        </p:spPr>
-        <p:style>
-          <a:lnRef idx="2">
-            <a:schemeClr val="dk1"/>
-          </a:lnRef>
-          <a:fillRef idx="1">
-            <a:schemeClr val="lt1"/>
-          </a:fillRef>
-          <a:effectRef idx="0">
-            <a:schemeClr val="dk1"/>
-          </a:effectRef>
-          <a:fontRef idx="minor">
-            <a:schemeClr val="dk1"/>
-          </a:fontRef>
-        </p:style>
-        <p:txBody>
-          <a:bodyPr rtlCol="0" anchor="ctr"/>
-          <a:lstStyle/>
-          <a:p>
-            <a:pPr algn="ctr"/>
-            <a:r>
-              <a:rPr lang="ko-KR" altLang="en-US" sz="1100" dirty="0" smtClean="0"/>
-              <a:t>상황별</a:t>
-            </a:r>
-            <a:endParaRPr lang="en-US" altLang="ko-KR" sz="1100" dirty="0" smtClean="0"/>
-          </a:p>
-          <a:p>
-            <a:pPr algn="ctr"/>
-            <a:r>
-              <a:rPr lang="ko-KR" altLang="en-US" sz="1100" dirty="0" smtClean="0"/>
-              <a:t>검사</a:t>
-            </a:r>
-            <a:endParaRPr lang="ko-KR" altLang="en-US" sz="1100" dirty="0"/>
-          </a:p>
-        </p:txBody>
-      </p:sp>
-      <p:sp>
-        <p:nvSpPr>
-          <p:cNvPr id="104" name="직사각형 103"/>
-          <p:cNvSpPr/>
-          <p:nvPr/>
-        </p:nvSpPr>
-        <p:spPr>
-          <a:xfrm>
-            <a:off x="852830" y="4777342"/>
-            <a:ext cx="1509847" cy="1954786"/>
-          </a:xfrm>
-          <a:prstGeom prst="rect">
-            <a:avLst/>
-          </a:prstGeom>
-        </p:spPr>
-        <p:style>
-          <a:lnRef idx="2">
-            <a:schemeClr val="dk1"/>
-          </a:lnRef>
-          <a:fillRef idx="1">
-            <a:schemeClr val="lt1"/>
-          </a:fillRef>
-          <a:effectRef idx="0">
-            <a:schemeClr val="dk1"/>
-          </a:effectRef>
-          <a:fontRef idx="minor">
-            <a:schemeClr val="dk1"/>
-          </a:fontRef>
-        </p:style>
-        <p:txBody>
-          <a:bodyPr rtlCol="0" anchor="t"/>
-          <a:lstStyle/>
-          <a:p>
-            <a:pPr algn="ctr"/>
-            <a:r>
-              <a:rPr lang="ko-KR" altLang="en-US" sz="1200" smtClean="0"/>
-              <a:t>연령별 검사</a:t>
-            </a:r>
-            <a:endParaRPr lang="ko-KR" altLang="en-US" sz="1200" dirty="0"/>
-          </a:p>
-        </p:txBody>
-      </p:sp>
-      <p:cxnSp>
-        <p:nvCxnSpPr>
-          <p:cNvPr id="105" name="구부러진 연결선 104"/>
-          <p:cNvCxnSpPr>
-            <a:stCxn id="102" idx="4"/>
-            <a:endCxn id="104" idx="1"/>
-          </p:cNvCxnSpPr>
-          <p:nvPr/>
-        </p:nvCxnSpPr>
-        <p:spPr>
-          <a:xfrm rot="5400000">
-            <a:off x="311190" y="5136696"/>
-            <a:ext cx="1159679" cy="76398"/>
-          </a:xfrm>
-          <a:prstGeom prst="curvedConnector4">
-            <a:avLst>
-              <a:gd name="adj1" fmla="val 7859"/>
-              <a:gd name="adj2" fmla="val 399222"/>
-            </a:avLst>
-          </a:prstGeom>
-          <a:ln>
-            <a:tailEnd type="triangle"/>
-          </a:ln>
-        </p:spPr>
-        <p:style>
-          <a:lnRef idx="3">
-            <a:schemeClr val="dk1"/>
-          </a:lnRef>
-          <a:fillRef idx="0">
-            <a:schemeClr val="dk1"/>
-          </a:fillRef>
-          <a:effectRef idx="2">
-            <a:schemeClr val="dk1"/>
-          </a:effectRef>
-          <a:fontRef idx="minor">
-            <a:schemeClr val="tx1"/>
-          </a:fontRef>
-        </p:style>
-      </p:cxnSp>
-      <p:sp>
-        <p:nvSpPr>
-          <p:cNvPr id="109" name="타원 108"/>
-          <p:cNvSpPr/>
-          <p:nvPr/>
-        </p:nvSpPr>
-        <p:spPr>
-          <a:xfrm>
-            <a:off x="941053" y="5087066"/>
-            <a:ext cx="1318725" cy="467070"/>
-          </a:xfrm>
-          <a:prstGeom prst="ellipse">
-            <a:avLst/>
-          </a:prstGeom>
-        </p:spPr>
-        <p:style>
-          <a:lnRef idx="2">
-            <a:schemeClr val="dk1"/>
-          </a:lnRef>
-          <a:fillRef idx="1">
-            <a:schemeClr val="lt1"/>
-          </a:fillRef>
-          <a:effectRef idx="0">
-            <a:schemeClr val="dk1"/>
-          </a:effectRef>
-          <a:fontRef idx="minor">
-            <a:schemeClr val="dk1"/>
-          </a:fontRef>
-        </p:style>
-        <p:txBody>
-          <a:bodyPr rtlCol="0" anchor="ctr"/>
-          <a:lstStyle/>
-          <a:p>
-            <a:pPr algn="ctr"/>
-            <a:r>
-              <a:rPr lang="ko-KR" altLang="en-US" sz="1100" dirty="0" smtClean="0"/>
-              <a:t>초등 선택</a:t>
-            </a:r>
-            <a:endParaRPr lang="ko-KR" altLang="en-US" sz="1100" dirty="0"/>
-          </a:p>
-        </p:txBody>
-      </p:sp>
-      <p:sp>
-        <p:nvSpPr>
-          <p:cNvPr id="112" name="타원 111"/>
-          <p:cNvSpPr/>
-          <p:nvPr/>
-        </p:nvSpPr>
-        <p:spPr>
-          <a:xfrm>
-            <a:off x="941053" y="5627916"/>
-            <a:ext cx="1318725" cy="467070"/>
-          </a:xfrm>
-          <a:prstGeom prst="ellipse">
-            <a:avLst/>
-          </a:prstGeom>
-        </p:spPr>
-        <p:style>
-          <a:lnRef idx="2">
-            <a:schemeClr val="dk1"/>
-          </a:lnRef>
-          <a:fillRef idx="1">
-            <a:schemeClr val="lt1"/>
-          </a:fillRef>
-          <a:effectRef idx="0">
-            <a:schemeClr val="dk1"/>
-          </a:effectRef>
-          <a:fontRef idx="minor">
-            <a:schemeClr val="dk1"/>
-          </a:fontRef>
-        </p:style>
-        <p:txBody>
-          <a:bodyPr rtlCol="0" anchor="ctr"/>
-          <a:lstStyle/>
-          <a:p>
-            <a:pPr algn="ctr"/>
-            <a:r>
-              <a:rPr lang="ko-KR" altLang="en-US" sz="1100" smtClean="0"/>
-              <a:t>중고등 </a:t>
-            </a:r>
-            <a:r>
-              <a:rPr lang="ko-KR" altLang="en-US" sz="1100" dirty="0" smtClean="0"/>
-              <a:t>선택</a:t>
-            </a:r>
-            <a:endParaRPr lang="ko-KR" altLang="en-US" sz="1100" dirty="0"/>
-          </a:p>
-        </p:txBody>
-      </p:sp>
-      <p:sp>
-        <p:nvSpPr>
-          <p:cNvPr id="113" name="타원 112"/>
-          <p:cNvSpPr/>
-          <p:nvPr/>
-        </p:nvSpPr>
-        <p:spPr>
-          <a:xfrm>
-            <a:off x="948390" y="6168766"/>
-            <a:ext cx="1318725" cy="467070"/>
-          </a:xfrm>
-          <a:prstGeom prst="ellipse">
-            <a:avLst/>
-          </a:prstGeom>
-        </p:spPr>
-        <p:style>
-          <a:lnRef idx="2">
-            <a:schemeClr val="dk1"/>
-          </a:lnRef>
-          <a:fillRef idx="1">
-            <a:schemeClr val="lt1"/>
-          </a:fillRef>
-          <a:effectRef idx="0">
-            <a:schemeClr val="dk1"/>
-          </a:effectRef>
-          <a:fontRef idx="minor">
-            <a:schemeClr val="dk1"/>
-          </a:fontRef>
-        </p:style>
-        <p:txBody>
-          <a:bodyPr rtlCol="0" anchor="ctr"/>
-          <a:lstStyle/>
-          <a:p>
-            <a:pPr algn="ctr"/>
-            <a:r>
-              <a:rPr lang="ko-KR" altLang="en-US" sz="1100" dirty="0" smtClean="0"/>
-              <a:t>성인 선택</a:t>
-            </a:r>
-            <a:endParaRPr lang="ko-KR" altLang="en-US" sz="1100" dirty="0"/>
-          </a:p>
-        </p:txBody>
-      </p:sp>
-      <p:sp>
-        <p:nvSpPr>
-          <p:cNvPr id="116" name="타원 115"/>
-          <p:cNvSpPr/>
-          <p:nvPr/>
-        </p:nvSpPr>
-        <p:spPr>
-          <a:xfrm>
-            <a:off x="3234718" y="4337098"/>
-            <a:ext cx="988394" cy="524200"/>
-          </a:xfrm>
-          <a:prstGeom prst="ellipse">
-            <a:avLst/>
-          </a:prstGeom>
-        </p:spPr>
-        <p:style>
-          <a:lnRef idx="2">
-            <a:schemeClr val="dk1"/>
-          </a:lnRef>
-          <a:fillRef idx="1">
-            <a:schemeClr val="lt1"/>
-          </a:fillRef>
-          <a:effectRef idx="0">
-            <a:schemeClr val="dk1"/>
-          </a:effectRef>
-          <a:fontRef idx="minor">
-            <a:schemeClr val="dk1"/>
-          </a:fontRef>
-        </p:style>
-        <p:txBody>
-          <a:bodyPr rtlCol="0" anchor="ctr"/>
-          <a:lstStyle/>
-          <a:p>
-            <a:pPr algn="ctr"/>
-            <a:r>
-              <a:rPr lang="ko-KR" altLang="en-US" sz="1100" dirty="0" smtClean="0"/>
-              <a:t>추천 글</a:t>
-            </a:r>
-            <a:endParaRPr lang="en-US" altLang="ko-KR" sz="1100" dirty="0" smtClean="0"/>
-          </a:p>
-          <a:p>
-            <a:pPr algn="ctr"/>
-            <a:r>
-              <a:rPr lang="ko-KR" altLang="en-US" sz="1100" dirty="0" smtClean="0"/>
-              <a:t>보기</a:t>
-            </a:r>
-            <a:endParaRPr lang="ko-KR" altLang="en-US" sz="1100" dirty="0"/>
-          </a:p>
-        </p:txBody>
-      </p:sp>
-      <p:sp>
-        <p:nvSpPr>
           <p:cNvPr id="117" name="타원 116"/>
           <p:cNvSpPr/>
           <p:nvPr/>
         </p:nvSpPr>
         <p:spPr>
           <a:xfrm>
-            <a:off x="4349106" y="4337098"/>
+            <a:off x="3787704" y="4369252"/>
             <a:ext cx="973369" cy="524200"/>
           </a:xfrm>
           <a:prstGeom prst="ellipse">
@@ -5432,90 +4979,6 @@
           </a:p>
         </p:txBody>
       </p:sp>
-      <p:sp>
-        <p:nvSpPr>
-          <p:cNvPr id="130" name="타원 129"/>
-          <p:cNvSpPr/>
-          <p:nvPr/>
-        </p:nvSpPr>
-        <p:spPr>
-          <a:xfrm>
-            <a:off x="3224294" y="6094339"/>
-            <a:ext cx="813919" cy="524200"/>
-          </a:xfrm>
-          <a:prstGeom prst="ellipse">
-            <a:avLst/>
-          </a:prstGeom>
-        </p:spPr>
-        <p:style>
-          <a:lnRef idx="2">
-            <a:schemeClr val="dk1"/>
-          </a:lnRef>
-          <a:fillRef idx="1">
-            <a:schemeClr val="lt1"/>
-          </a:fillRef>
-          <a:effectRef idx="0">
-            <a:schemeClr val="dk1"/>
-          </a:effectRef>
-          <a:fontRef idx="minor">
-            <a:schemeClr val="dk1"/>
-          </a:fontRef>
-        </p:style>
-        <p:txBody>
-          <a:bodyPr rtlCol="0" anchor="ctr"/>
-          <a:lstStyle/>
-          <a:p>
-            <a:pPr algn="ctr"/>
-            <a:r>
-              <a:rPr lang="ko-KR" altLang="en-US" sz="1100" smtClean="0"/>
-              <a:t>위기</a:t>
-            </a:r>
-            <a:endParaRPr lang="ko-KR" altLang="en-US" sz="1100" dirty="0"/>
-          </a:p>
-        </p:txBody>
-      </p:sp>
-      <p:sp>
-        <p:nvSpPr>
-          <p:cNvPr id="131" name="타원 130"/>
-          <p:cNvSpPr/>
-          <p:nvPr/>
-        </p:nvSpPr>
-        <p:spPr>
-          <a:xfrm>
-            <a:off x="4526648" y="6087082"/>
-            <a:ext cx="808903" cy="524200"/>
-          </a:xfrm>
-          <a:prstGeom prst="ellipse">
-            <a:avLst/>
-          </a:prstGeom>
-        </p:spPr>
-        <p:style>
-          <a:lnRef idx="2">
-            <a:schemeClr val="dk1"/>
-          </a:lnRef>
-          <a:fillRef idx="1">
-            <a:schemeClr val="lt1"/>
-          </a:fillRef>
-          <a:effectRef idx="0">
-            <a:schemeClr val="dk1"/>
-          </a:effectRef>
-          <a:fontRef idx="minor">
-            <a:schemeClr val="dk1"/>
-          </a:fontRef>
-        </p:style>
-        <p:txBody>
-          <a:bodyPr rtlCol="0" anchor="ctr"/>
-          <a:lstStyle/>
-          <a:p>
-            <a:pPr algn="ctr"/>
-            <a:r>
-              <a:rPr lang="ko-KR" altLang="en-US" sz="1100" dirty="0" smtClean="0"/>
-              <a:t>일탈</a:t>
-            </a:r>
-            <a:endParaRPr lang="ko-KR" altLang="en-US" sz="1100" dirty="0"/>
-          </a:p>
-        </p:txBody>
-      </p:sp>
       <p:cxnSp>
         <p:nvCxnSpPr>
           <p:cNvPr id="132" name="구부러진 연결선 131"/>
@@ -5527,7 +4990,7 @@
         <p:spPr>
           <a:xfrm rot="10800000" flipV="1">
             <a:off x="4242433" y="3541306"/>
-            <a:ext cx="1850647" cy="448926"/>
+            <a:ext cx="1850651" cy="448926"/>
           </a:xfrm>
           <a:prstGeom prst="curvedConnector2">
             <a:avLst/>
@@ -5559,7 +5022,7 @@
         </p:nvSpPr>
         <p:spPr>
           <a:xfrm>
-            <a:off x="9412472" y="2821716"/>
+            <a:off x="9404156" y="5735639"/>
             <a:ext cx="1148742" cy="500536"/>
           </a:xfrm>
           <a:prstGeom prst="ellipse">
@@ -5609,7 +5072,7 @@
         </p:nvSpPr>
         <p:spPr>
           <a:xfrm>
-            <a:off x="9427121" y="2267098"/>
+            <a:off x="9418805" y="5181021"/>
             <a:ext cx="1145283" cy="500536"/>
           </a:xfrm>
           <a:prstGeom prst="ellipse">
@@ -5695,14 +5158,14 @@
       </p:sp>
       <p:sp>
         <p:nvSpPr>
-          <p:cNvPr id="174" name="타원 173"/>
+          <p:cNvPr id="261" name="타원 260"/>
           <p:cNvSpPr/>
           <p:nvPr/>
         </p:nvSpPr>
         <p:spPr>
           <a:xfrm>
-            <a:off x="6812107" y="3980433"/>
-            <a:ext cx="828607" cy="524200"/>
+            <a:off x="9415037" y="4644898"/>
+            <a:ext cx="1146174" cy="482295"/>
           </a:xfrm>
           <a:prstGeom prst="ellipse">
             <a:avLst/>
@@ -5729,7 +5192,7 @@
             <a:pPr algn="ctr"/>
             <a:r>
               <a:rPr lang="ko-KR" altLang="en-US" sz="1100" dirty="0" smtClean="0"/>
-              <a:t>챗 봇</a:t>
+              <a:t>신청 상태 확인</a:t>
             </a:r>
             <a:endParaRPr lang="ko-KR" altLang="en-US" sz="1100" dirty="0"/>
           </a:p>
@@ -5737,14 +5200,14 @@
       </p:sp>
       <p:sp>
         <p:nvSpPr>
-          <p:cNvPr id="175" name="타원 174"/>
+          <p:cNvPr id="262" name="타원 261"/>
           <p:cNvSpPr/>
           <p:nvPr/>
         </p:nvSpPr>
         <p:spPr>
           <a:xfrm>
-            <a:off x="7748382" y="3988698"/>
-            <a:ext cx="801799" cy="524200"/>
+            <a:off x="10714810" y="3524674"/>
+            <a:ext cx="1146174" cy="482295"/>
           </a:xfrm>
           <a:prstGeom prst="ellipse">
             <a:avLst/>
@@ -5770,8 +5233,16 @@
           <a:p>
             <a:pPr algn="ctr"/>
             <a:r>
-              <a:rPr lang="en-US" altLang="ko-KR" sz="1100" dirty="0" smtClean="0"/>
-              <a:t>SNS</a:t>
+              <a:rPr lang="ko-KR" altLang="en-US" sz="1100" dirty="0" smtClean="0"/>
+              <a:t>신청 내역</a:t>
+            </a:r>
+            <a:endParaRPr lang="en-US" altLang="ko-KR" sz="1100" dirty="0" smtClean="0"/>
+          </a:p>
+          <a:p>
+            <a:pPr algn="ctr"/>
+            <a:r>
+              <a:rPr lang="ko-KR" altLang="en-US" sz="1100" dirty="0" smtClean="0"/>
+              <a:t>조회</a:t>
             </a:r>
             <a:endParaRPr lang="ko-KR" altLang="en-US" sz="1100" dirty="0"/>
           </a:p>
@@ -5779,14 +5250,56 @@
       </p:sp>
       <p:sp>
         <p:nvSpPr>
-          <p:cNvPr id="176" name="타원 175"/>
+          <p:cNvPr id="263" name="직사각형 262"/>
           <p:cNvSpPr/>
           <p:nvPr/>
         </p:nvSpPr>
         <p:spPr>
           <a:xfrm>
-            <a:off x="8626570" y="3988698"/>
-            <a:ext cx="1078354" cy="524200"/>
+            <a:off x="7709017" y="2117034"/>
+            <a:ext cx="1484619" cy="1334535"/>
+          </a:xfrm>
+          <a:prstGeom prst="rect">
+            <a:avLst/>
+          </a:prstGeom>
+        </p:spPr>
+        <p:style>
+          <a:lnRef idx="2">
+            <a:schemeClr val="dk1"/>
+          </a:lnRef>
+          <a:fillRef idx="1">
+            <a:schemeClr val="lt1"/>
+          </a:fillRef>
+          <a:effectRef idx="0">
+            <a:schemeClr val="dk1"/>
+          </a:effectRef>
+          <a:fontRef idx="minor">
+            <a:schemeClr val="dk1"/>
+          </a:fontRef>
+        </p:style>
+        <p:txBody>
+          <a:bodyPr rtlCol="0" anchor="t"/>
+          <a:lstStyle/>
+          <a:p>
+            <a:pPr algn="ctr"/>
+            <a:r>
+              <a:rPr lang="ko-KR" altLang="en-US" sz="1200" smtClean="0"/>
+              <a:t>게시판 상담</a:t>
+            </a:r>
+            <a:endParaRPr lang="ko-KR" altLang="en-US" sz="1200" dirty="0"/>
+          </a:p>
+        </p:txBody>
+      </p:sp>
+      <p:sp>
+        <p:nvSpPr>
+          <p:cNvPr id="298" name="타원 297"/>
+          <p:cNvSpPr/>
+          <p:nvPr/>
+        </p:nvSpPr>
+        <p:spPr>
+          <a:xfrm>
+            <a:off x="8024736" y="2914028"/>
+            <a:ext cx="853183" cy="514775"/>
           </a:xfrm>
           <a:prstGeom prst="ellipse">
             <a:avLst/>
@@ -5813,765 +5326,9 @@
             <a:pPr algn="ctr"/>
             <a:r>
               <a:rPr lang="ko-KR" altLang="en-US" sz="1100" dirty="0" smtClean="0"/>
-              <a:t>유관기관</a:t>
-            </a:r>
-            <a:endParaRPr lang="ko-KR" altLang="en-US" sz="1100" dirty="0"/>
-          </a:p>
-        </p:txBody>
-      </p:sp>
-      <p:cxnSp>
-        <p:nvCxnSpPr>
-          <p:cNvPr id="177" name="구부러진 연결선 176"/>
-          <p:cNvCxnSpPr>
-            <a:endCxn id="52" idx="0"/>
-          </p:cNvCxnSpPr>
-          <p:nvPr/>
-        </p:nvCxnSpPr>
-        <p:spPr>
-          <a:xfrm>
-            <a:off x="6521899" y="3391039"/>
-            <a:ext cx="1704233" cy="306090"/>
-          </a:xfrm>
-          <a:prstGeom prst="curvedConnector2">
-            <a:avLst/>
-          </a:prstGeom>
-          <a:ln>
-            <a:tailEnd type="triangle"/>
-          </a:ln>
-        </p:spPr>
-        <p:style>
-          <a:lnRef idx="3">
-            <a:schemeClr val="dk1"/>
-          </a:lnRef>
-          <a:fillRef idx="0">
-            <a:schemeClr val="dk1"/>
-          </a:fillRef>
-          <a:effectRef idx="2">
-            <a:schemeClr val="dk1"/>
-          </a:effectRef>
-          <a:fontRef idx="minor">
-            <a:schemeClr val="tx1"/>
-          </a:fontRef>
-        </p:style>
-      </p:cxnSp>
-      <p:sp>
-        <p:nvSpPr>
-          <p:cNvPr id="184" name="직사각형 183"/>
-          <p:cNvSpPr/>
-          <p:nvPr/>
-        </p:nvSpPr>
-        <p:spPr>
-          <a:xfrm>
-            <a:off x="8567590" y="5031596"/>
-            <a:ext cx="1188720" cy="1419807"/>
-          </a:xfrm>
-          <a:prstGeom prst="rect">
-            <a:avLst/>
-          </a:prstGeom>
-        </p:spPr>
-        <p:style>
-          <a:lnRef idx="2">
-            <a:schemeClr val="dk1"/>
-          </a:lnRef>
-          <a:fillRef idx="1">
-            <a:schemeClr val="lt1"/>
-          </a:fillRef>
-          <a:effectRef idx="0">
-            <a:schemeClr val="dk1"/>
-          </a:effectRef>
-          <a:fontRef idx="minor">
-            <a:schemeClr val="dk1"/>
-          </a:fontRef>
-        </p:style>
-        <p:txBody>
-          <a:bodyPr rtlCol="0" anchor="t"/>
-          <a:lstStyle/>
-          <a:p>
-            <a:pPr algn="ctr"/>
-            <a:r>
-              <a:rPr lang="en-US" altLang="ko-KR" sz="1200" dirty="0" smtClean="0"/>
-              <a:t>SNS</a:t>
-            </a:r>
-          </a:p>
-        </p:txBody>
-      </p:sp>
-      <p:sp>
-        <p:nvSpPr>
-          <p:cNvPr id="185" name="타원 184"/>
-          <p:cNvSpPr/>
-          <p:nvPr/>
-        </p:nvSpPr>
-        <p:spPr>
-          <a:xfrm>
-            <a:off x="8729799" y="5308262"/>
-            <a:ext cx="864303" cy="524200"/>
-          </a:xfrm>
-          <a:prstGeom prst="ellipse">
-            <a:avLst/>
-          </a:prstGeom>
-        </p:spPr>
-        <p:style>
-          <a:lnRef idx="2">
-            <a:schemeClr val="dk1"/>
-          </a:lnRef>
-          <a:fillRef idx="1">
-            <a:schemeClr val="lt1"/>
-          </a:fillRef>
-          <a:effectRef idx="0">
-            <a:schemeClr val="dk1"/>
-          </a:effectRef>
-          <a:fontRef idx="minor">
-            <a:schemeClr val="dk1"/>
-          </a:fontRef>
-        </p:style>
-        <p:txBody>
-          <a:bodyPr rtlCol="0" anchor="ctr"/>
-          <a:lstStyle/>
-          <a:p>
-            <a:pPr algn="ctr"/>
-            <a:r>
-              <a:rPr lang="ko-KR" altLang="en-US" sz="1100" dirty="0" smtClean="0"/>
-              <a:t>유튜브</a:t>
-            </a:r>
-            <a:endParaRPr lang="ko-KR" altLang="en-US" sz="1100" dirty="0"/>
-          </a:p>
-        </p:txBody>
-      </p:sp>
-      <p:sp>
-        <p:nvSpPr>
-          <p:cNvPr id="186" name="타원 185"/>
-          <p:cNvSpPr/>
-          <p:nvPr/>
-        </p:nvSpPr>
-        <p:spPr>
-          <a:xfrm>
-            <a:off x="8632977" y="5862524"/>
-            <a:ext cx="1057947" cy="524200"/>
-          </a:xfrm>
-          <a:prstGeom prst="ellipse">
-            <a:avLst/>
-          </a:prstGeom>
-        </p:spPr>
-        <p:style>
-          <a:lnRef idx="2">
-            <a:schemeClr val="dk1"/>
-          </a:lnRef>
-          <a:fillRef idx="1">
-            <a:schemeClr val="lt1"/>
-          </a:fillRef>
-          <a:effectRef idx="0">
-            <a:schemeClr val="dk1"/>
-          </a:effectRef>
-          <a:fontRef idx="minor">
-            <a:schemeClr val="dk1"/>
-          </a:fontRef>
-        </p:style>
-        <p:txBody>
-          <a:bodyPr rtlCol="0" anchor="ctr"/>
-          <a:lstStyle/>
-          <a:p>
-            <a:pPr algn="ctr"/>
-            <a:r>
-              <a:rPr lang="ko-KR" altLang="en-US" sz="1100" dirty="0" smtClean="0"/>
-              <a:t>카카오톡</a:t>
-            </a:r>
-            <a:endParaRPr lang="en-US" altLang="ko-KR" sz="1100" dirty="0" smtClean="0"/>
-          </a:p>
-          <a:p>
-            <a:pPr algn="ctr"/>
-            <a:r>
-              <a:rPr lang="ko-KR" altLang="en-US" sz="1100" dirty="0" smtClean="0"/>
-              <a:t>채널</a:t>
-            </a:r>
-            <a:endParaRPr lang="ko-KR" altLang="en-US" sz="1100" dirty="0"/>
-          </a:p>
-        </p:txBody>
-      </p:sp>
-      <p:cxnSp>
-        <p:nvCxnSpPr>
-          <p:cNvPr id="188" name="구부러진 연결선 187"/>
-          <p:cNvCxnSpPr>
-            <a:stCxn id="175" idx="4"/>
-            <a:endCxn id="184" idx="0"/>
-          </p:cNvCxnSpPr>
-          <p:nvPr/>
-        </p:nvCxnSpPr>
-        <p:spPr>
-          <a:xfrm rot="16200000" flipH="1">
-            <a:off x="8396267" y="4265913"/>
-            <a:ext cx="518698" cy="1012668"/>
-          </a:xfrm>
-          <a:prstGeom prst="curvedConnector3">
-            <a:avLst>
-              <a:gd name="adj1" fmla="val 50000"/>
-            </a:avLst>
-          </a:prstGeom>
-          <a:ln>
-            <a:tailEnd type="triangle"/>
-          </a:ln>
-        </p:spPr>
-        <p:style>
-          <a:lnRef idx="3">
-            <a:schemeClr val="dk1"/>
-          </a:lnRef>
-          <a:fillRef idx="0">
-            <a:schemeClr val="dk1"/>
-          </a:fillRef>
-          <a:effectRef idx="2">
-            <a:schemeClr val="dk1"/>
-          </a:effectRef>
-          <a:fontRef idx="minor">
-            <a:schemeClr val="tx1"/>
-          </a:fontRef>
-        </p:style>
-      </p:cxnSp>
-      <p:sp>
-        <p:nvSpPr>
-          <p:cNvPr id="208" name="직사각형 207"/>
-          <p:cNvSpPr/>
-          <p:nvPr/>
-        </p:nvSpPr>
-        <p:spPr>
-          <a:xfrm>
-            <a:off x="5814089" y="4908102"/>
-            <a:ext cx="2545589" cy="1775312"/>
-          </a:xfrm>
-          <a:prstGeom prst="rect">
-            <a:avLst/>
-          </a:prstGeom>
-        </p:spPr>
-        <p:style>
-          <a:lnRef idx="2">
-            <a:schemeClr val="dk1"/>
-          </a:lnRef>
-          <a:fillRef idx="1">
-            <a:schemeClr val="lt1"/>
-          </a:fillRef>
-          <a:effectRef idx="0">
-            <a:schemeClr val="dk1"/>
-          </a:effectRef>
-          <a:fontRef idx="minor">
-            <a:schemeClr val="dk1"/>
-          </a:fontRef>
-        </p:style>
-        <p:txBody>
-          <a:bodyPr rtlCol="0" anchor="t"/>
-          <a:lstStyle/>
-          <a:p>
-            <a:pPr algn="ctr"/>
-            <a:r>
-              <a:rPr lang="ko-KR" altLang="en-US" sz="1200" dirty="0" smtClean="0"/>
-              <a:t>챗 봇</a:t>
-            </a:r>
-            <a:endParaRPr lang="ko-KR" altLang="en-US" sz="1200" dirty="0"/>
-          </a:p>
-        </p:txBody>
-      </p:sp>
-      <p:sp>
-        <p:nvSpPr>
-          <p:cNvPr id="209" name="타원 208"/>
-          <p:cNvSpPr/>
-          <p:nvPr/>
-        </p:nvSpPr>
-        <p:spPr>
-          <a:xfrm>
-            <a:off x="5915300" y="5220714"/>
-            <a:ext cx="1142152" cy="615167"/>
-          </a:xfrm>
-          <a:prstGeom prst="ellipse">
-            <a:avLst/>
-          </a:prstGeom>
-        </p:spPr>
-        <p:style>
-          <a:lnRef idx="2">
-            <a:schemeClr val="dk1"/>
-          </a:lnRef>
-          <a:fillRef idx="1">
-            <a:schemeClr val="lt1"/>
-          </a:fillRef>
-          <a:effectRef idx="0">
-            <a:schemeClr val="dk1"/>
-          </a:effectRef>
-          <a:fontRef idx="minor">
-            <a:schemeClr val="dk1"/>
-          </a:fontRef>
-        </p:style>
-        <p:txBody>
-          <a:bodyPr rtlCol="0" anchor="ctr"/>
-          <a:lstStyle/>
-          <a:p>
-            <a:pPr algn="ctr"/>
-            <a:r>
-              <a:rPr lang="ko-KR" altLang="en-US" sz="1100" dirty="0" smtClean="0"/>
-              <a:t>위플</a:t>
-            </a:r>
-            <a:endParaRPr lang="en-US" altLang="ko-KR" sz="1100" dirty="0" smtClean="0"/>
-          </a:p>
-          <a:p>
-            <a:pPr algn="ctr"/>
-            <a:r>
-              <a:rPr lang="en-US" altLang="ko-KR" sz="1100" dirty="0" smtClean="0"/>
-              <a:t>(Weepl)</a:t>
-            </a:r>
-          </a:p>
-          <a:p>
-            <a:pPr algn="ctr"/>
-            <a:r>
-              <a:rPr lang="ko-KR" altLang="en-US" sz="1100" dirty="0" smtClean="0"/>
-              <a:t>앱서비스</a:t>
-            </a:r>
-            <a:endParaRPr lang="ko-KR" altLang="en-US" sz="1100" dirty="0"/>
-          </a:p>
-        </p:txBody>
-      </p:sp>
-      <p:sp>
-        <p:nvSpPr>
-          <p:cNvPr id="211" name="타원 210"/>
-          <p:cNvSpPr/>
-          <p:nvPr/>
-        </p:nvSpPr>
-        <p:spPr>
-          <a:xfrm>
-            <a:off x="7107044" y="5255972"/>
-            <a:ext cx="1132954" cy="524200"/>
-          </a:xfrm>
-          <a:prstGeom prst="ellipse">
-            <a:avLst/>
-          </a:prstGeom>
-        </p:spPr>
-        <p:style>
-          <a:lnRef idx="2">
-            <a:schemeClr val="dk1"/>
-          </a:lnRef>
-          <a:fillRef idx="1">
-            <a:schemeClr val="lt1"/>
-          </a:fillRef>
-          <a:effectRef idx="0">
-            <a:schemeClr val="dk1"/>
-          </a:effectRef>
-          <a:fontRef idx="minor">
-            <a:schemeClr val="dk1"/>
-          </a:fontRef>
-        </p:style>
-        <p:txBody>
-          <a:bodyPr rtlCol="0" anchor="ctr"/>
-          <a:lstStyle/>
-          <a:p>
-            <a:pPr algn="ctr"/>
-            <a:r>
-              <a:rPr lang="ko-KR" altLang="en-US" sz="1100" dirty="0" smtClean="0"/>
-              <a:t>상담 신청</a:t>
-            </a:r>
-            <a:endParaRPr lang="ko-KR" altLang="en-US" sz="1100" dirty="0"/>
-          </a:p>
-        </p:txBody>
-      </p:sp>
-      <p:sp>
-        <p:nvSpPr>
-          <p:cNvPr id="212" name="타원 211"/>
-          <p:cNvSpPr/>
-          <p:nvPr/>
-        </p:nvSpPr>
-        <p:spPr>
-          <a:xfrm>
-            <a:off x="5922247" y="5951427"/>
-            <a:ext cx="1130444" cy="615167"/>
-          </a:xfrm>
-          <a:prstGeom prst="ellipse">
-            <a:avLst/>
-          </a:prstGeom>
-        </p:spPr>
-        <p:style>
-          <a:lnRef idx="2">
-            <a:schemeClr val="dk1"/>
-          </a:lnRef>
-          <a:fillRef idx="1">
-            <a:schemeClr val="lt1"/>
-          </a:fillRef>
-          <a:effectRef idx="0">
-            <a:schemeClr val="dk1"/>
-          </a:effectRef>
-          <a:fontRef idx="minor">
-            <a:schemeClr val="dk1"/>
-          </a:fontRef>
-        </p:style>
-        <p:txBody>
-          <a:bodyPr rtlCol="0" anchor="ctr"/>
-          <a:lstStyle/>
-          <a:p>
-            <a:pPr algn="ctr"/>
-            <a:r>
-              <a:rPr lang="ko-KR" altLang="en-US" sz="1100" dirty="0" smtClean="0"/>
-              <a:t>마음건강</a:t>
-            </a:r>
-            <a:endParaRPr lang="en-US" altLang="ko-KR" sz="1100" dirty="0" smtClean="0"/>
-          </a:p>
-          <a:p>
-            <a:pPr algn="ctr"/>
-            <a:r>
-              <a:rPr lang="ko-KR" altLang="en-US" sz="1100" dirty="0" smtClean="0"/>
-              <a:t>검사</a:t>
-            </a:r>
-            <a:endParaRPr lang="ko-KR" altLang="en-US" sz="1100" dirty="0"/>
-          </a:p>
-        </p:txBody>
-      </p:sp>
-      <p:sp>
-        <p:nvSpPr>
-          <p:cNvPr id="213" name="타원 212"/>
-          <p:cNvSpPr/>
-          <p:nvPr/>
-        </p:nvSpPr>
-        <p:spPr>
-          <a:xfrm>
-            <a:off x="7109229" y="5882979"/>
-            <a:ext cx="1142152" cy="711459"/>
-          </a:xfrm>
-          <a:prstGeom prst="ellipse">
-            <a:avLst/>
-          </a:prstGeom>
-        </p:spPr>
-        <p:style>
-          <a:lnRef idx="2">
-            <a:schemeClr val="dk1"/>
-          </a:lnRef>
-          <a:fillRef idx="1">
-            <a:schemeClr val="lt1"/>
-          </a:fillRef>
-          <a:effectRef idx="0">
-            <a:schemeClr val="dk1"/>
-          </a:effectRef>
-          <a:fontRef idx="minor">
-            <a:schemeClr val="dk1"/>
-          </a:fontRef>
-        </p:style>
-        <p:txBody>
-          <a:bodyPr rtlCol="0" anchor="ctr"/>
-          <a:lstStyle/>
-          <a:p>
-            <a:pPr algn="ctr"/>
-            <a:r>
-              <a:rPr lang="ko-KR" altLang="en-US" sz="1100" dirty="0" smtClean="0"/>
-              <a:t>서울</a:t>
-            </a:r>
-            <a:endParaRPr lang="en-US" altLang="ko-KR" sz="1100" dirty="0" smtClean="0"/>
-          </a:p>
-          <a:p>
-            <a:pPr algn="ctr"/>
-            <a:r>
-              <a:rPr lang="ko-KR" altLang="en-US" sz="1100" dirty="0" smtClean="0"/>
-              <a:t>위</a:t>
-            </a:r>
-            <a:r>
-              <a:rPr lang="en-US" altLang="ko-KR" sz="1100" dirty="0" smtClean="0"/>
-              <a:t>(Wee)</a:t>
-            </a:r>
-          </a:p>
-          <a:p>
-            <a:pPr algn="ctr"/>
-            <a:r>
-              <a:rPr lang="ko-KR" altLang="en-US" sz="1100" dirty="0" smtClean="0"/>
-              <a:t>센터 문의</a:t>
-            </a:r>
-            <a:endParaRPr lang="ko-KR" altLang="en-US" sz="1100" dirty="0"/>
-          </a:p>
-        </p:txBody>
-      </p:sp>
-      <p:cxnSp>
-        <p:nvCxnSpPr>
-          <p:cNvPr id="214" name="구부러진 연결선 213"/>
-          <p:cNvCxnSpPr>
-            <a:stCxn id="174" idx="4"/>
-            <a:endCxn id="208" idx="0"/>
-          </p:cNvCxnSpPr>
-          <p:nvPr/>
-        </p:nvCxnSpPr>
-        <p:spPr>
-          <a:xfrm rot="5400000">
-            <a:off x="6954914" y="4636604"/>
-            <a:ext cx="403469" cy="139527"/>
-          </a:xfrm>
-          <a:prstGeom prst="curvedConnector3">
-            <a:avLst>
-              <a:gd name="adj1" fmla="val 50000"/>
-            </a:avLst>
-          </a:prstGeom>
-          <a:ln>
-            <a:tailEnd type="triangle"/>
-          </a:ln>
-        </p:spPr>
-        <p:style>
-          <a:lnRef idx="3">
-            <a:schemeClr val="dk1"/>
-          </a:lnRef>
-          <a:fillRef idx="0">
-            <a:schemeClr val="dk1"/>
-          </a:fillRef>
-          <a:effectRef idx="2">
-            <a:schemeClr val="dk1"/>
-          </a:effectRef>
-          <a:fontRef idx="minor">
-            <a:schemeClr val="tx1"/>
-          </a:fontRef>
-        </p:style>
-      </p:cxnSp>
-      <p:sp>
-        <p:nvSpPr>
-          <p:cNvPr id="224" name="직사각형 223"/>
-          <p:cNvSpPr/>
-          <p:nvPr/>
-        </p:nvSpPr>
-        <p:spPr>
-          <a:xfrm>
-            <a:off x="10100387" y="4300039"/>
-            <a:ext cx="1930214" cy="2467586"/>
-          </a:xfrm>
-          <a:prstGeom prst="rect">
-            <a:avLst/>
-          </a:prstGeom>
-        </p:spPr>
-        <p:style>
-          <a:lnRef idx="2">
-            <a:schemeClr val="dk1"/>
-          </a:lnRef>
-          <a:fillRef idx="1">
-            <a:schemeClr val="lt1"/>
-          </a:fillRef>
-          <a:effectRef idx="0">
-            <a:schemeClr val="dk1"/>
-          </a:effectRef>
-          <a:fontRef idx="minor">
-            <a:schemeClr val="dk1"/>
-          </a:fontRef>
-        </p:style>
-        <p:txBody>
-          <a:bodyPr rtlCol="0" anchor="t"/>
-          <a:lstStyle/>
-          <a:p>
-            <a:pPr algn="ctr"/>
-            <a:r>
-              <a:rPr lang="ko-KR" altLang="en-US" sz="1200" smtClean="0"/>
-              <a:t>유관기관</a:t>
-            </a:r>
-            <a:endParaRPr lang="ko-KR" altLang="en-US" sz="1200" dirty="0"/>
-          </a:p>
-        </p:txBody>
-      </p:sp>
-      <p:sp>
-        <p:nvSpPr>
-          <p:cNvPr id="231" name="타원 230"/>
-          <p:cNvSpPr/>
-          <p:nvPr/>
-        </p:nvSpPr>
-        <p:spPr>
-          <a:xfrm>
-            <a:off x="10237555" y="4670976"/>
-            <a:ext cx="732332" cy="597742"/>
-          </a:xfrm>
-          <a:prstGeom prst="ellipse">
-            <a:avLst/>
-          </a:prstGeom>
-        </p:spPr>
-        <p:style>
-          <a:lnRef idx="2">
-            <a:schemeClr val="dk1"/>
-          </a:lnRef>
-          <a:fillRef idx="1">
-            <a:schemeClr val="lt1"/>
-          </a:fillRef>
-          <a:effectRef idx="0">
-            <a:schemeClr val="dk1"/>
-          </a:effectRef>
-          <a:fontRef idx="minor">
-            <a:schemeClr val="dk1"/>
-          </a:fontRef>
-        </p:style>
-        <p:txBody>
-          <a:bodyPr rtlCol="0" anchor="ctr"/>
-          <a:lstStyle/>
-          <a:p>
-            <a:pPr algn="ctr"/>
-            <a:r>
-              <a:rPr lang="ko-KR" altLang="en-US" sz="1100" smtClean="0"/>
-              <a:t>심리 상담</a:t>
-            </a:r>
-            <a:endParaRPr lang="ko-KR" altLang="en-US" sz="1100" dirty="0"/>
-          </a:p>
-        </p:txBody>
-      </p:sp>
-      <p:sp>
-        <p:nvSpPr>
-          <p:cNvPr id="232" name="타원 231"/>
-          <p:cNvSpPr/>
-          <p:nvPr/>
-        </p:nvSpPr>
-        <p:spPr>
-          <a:xfrm>
-            <a:off x="11134078" y="4685836"/>
-            <a:ext cx="732332" cy="597742"/>
-          </a:xfrm>
-          <a:prstGeom prst="ellipse">
-            <a:avLst/>
-          </a:prstGeom>
-        </p:spPr>
-        <p:style>
-          <a:lnRef idx="2">
-            <a:schemeClr val="dk1"/>
-          </a:lnRef>
-          <a:fillRef idx="1">
-            <a:schemeClr val="lt1"/>
-          </a:fillRef>
-          <a:effectRef idx="0">
-            <a:schemeClr val="dk1"/>
-          </a:effectRef>
-          <a:fontRef idx="minor">
-            <a:schemeClr val="dk1"/>
-          </a:fontRef>
-        </p:style>
-        <p:txBody>
-          <a:bodyPr rtlCol="0" anchor="ctr"/>
-          <a:lstStyle/>
-          <a:p>
-            <a:pPr algn="ctr"/>
-            <a:r>
-              <a:rPr lang="ko-KR" altLang="en-US" sz="1100" dirty="0" smtClean="0"/>
-              <a:t>생명</a:t>
-            </a:r>
-            <a:endParaRPr lang="en-US" altLang="ko-KR" sz="1100" dirty="0" smtClean="0"/>
-          </a:p>
-          <a:p>
-            <a:pPr algn="ctr"/>
-            <a:r>
-              <a:rPr lang="ko-KR" altLang="en-US" sz="1100" dirty="0" smtClean="0"/>
-              <a:t>존중</a:t>
-            </a:r>
-            <a:endParaRPr lang="ko-KR" altLang="en-US" sz="1100" dirty="0"/>
-          </a:p>
-        </p:txBody>
-      </p:sp>
-      <p:sp>
-        <p:nvSpPr>
-          <p:cNvPr id="233" name="타원 232"/>
-          <p:cNvSpPr/>
-          <p:nvPr/>
-        </p:nvSpPr>
-        <p:spPr>
-          <a:xfrm>
-            <a:off x="10237555" y="5356191"/>
-            <a:ext cx="732332" cy="597742"/>
-          </a:xfrm>
-          <a:prstGeom prst="ellipse">
-            <a:avLst/>
-          </a:prstGeom>
-        </p:spPr>
-        <p:style>
-          <a:lnRef idx="2">
-            <a:schemeClr val="dk1"/>
-          </a:lnRef>
-          <a:fillRef idx="1">
-            <a:schemeClr val="lt1"/>
-          </a:fillRef>
-          <a:effectRef idx="0">
-            <a:schemeClr val="dk1"/>
-          </a:effectRef>
-          <a:fontRef idx="minor">
-            <a:schemeClr val="dk1"/>
-          </a:fontRef>
-        </p:style>
-        <p:txBody>
-          <a:bodyPr rtlCol="0" anchor="ctr"/>
-          <a:lstStyle/>
-          <a:p>
-            <a:pPr algn="ctr"/>
-            <a:r>
-              <a:rPr lang="ko-KR" altLang="en-US" sz="1100" dirty="0" smtClean="0"/>
-              <a:t>성</a:t>
-            </a:r>
-            <a:endParaRPr lang="ko-KR" altLang="en-US" sz="1100" dirty="0"/>
-          </a:p>
-        </p:txBody>
-      </p:sp>
-      <p:sp>
-        <p:nvSpPr>
-          <p:cNvPr id="234" name="타원 233"/>
-          <p:cNvSpPr/>
-          <p:nvPr/>
-        </p:nvSpPr>
-        <p:spPr>
-          <a:xfrm>
-            <a:off x="11134078" y="5371051"/>
-            <a:ext cx="732332" cy="597742"/>
-          </a:xfrm>
-          <a:prstGeom prst="ellipse">
-            <a:avLst/>
-          </a:prstGeom>
-        </p:spPr>
-        <p:style>
-          <a:lnRef idx="2">
-            <a:schemeClr val="dk1"/>
-          </a:lnRef>
-          <a:fillRef idx="1">
-            <a:schemeClr val="lt1"/>
-          </a:fillRef>
-          <a:effectRef idx="0">
-            <a:schemeClr val="dk1"/>
-          </a:effectRef>
-          <a:fontRef idx="minor">
-            <a:schemeClr val="dk1"/>
-          </a:fontRef>
-        </p:style>
-        <p:txBody>
-          <a:bodyPr rtlCol="0" anchor="ctr"/>
-          <a:lstStyle/>
-          <a:p>
-            <a:pPr algn="ctr"/>
-            <a:r>
-              <a:rPr lang="ko-KR" altLang="en-US" sz="1100" dirty="0" smtClean="0"/>
-              <a:t>도박</a:t>
-            </a:r>
-            <a:endParaRPr lang="ko-KR" altLang="en-US" sz="1100" dirty="0"/>
-          </a:p>
-        </p:txBody>
-      </p:sp>
-      <p:sp>
-        <p:nvSpPr>
-          <p:cNvPr id="235" name="타원 234"/>
-          <p:cNvSpPr/>
-          <p:nvPr/>
-        </p:nvSpPr>
-        <p:spPr>
-          <a:xfrm>
-            <a:off x="10237555" y="6057769"/>
-            <a:ext cx="732332" cy="597742"/>
-          </a:xfrm>
-          <a:prstGeom prst="ellipse">
-            <a:avLst/>
-          </a:prstGeom>
-        </p:spPr>
-        <p:style>
-          <a:lnRef idx="2">
-            <a:schemeClr val="dk1"/>
-          </a:lnRef>
-          <a:fillRef idx="1">
-            <a:schemeClr val="lt1"/>
-          </a:fillRef>
-          <a:effectRef idx="0">
-            <a:schemeClr val="dk1"/>
-          </a:effectRef>
-          <a:fontRef idx="minor">
-            <a:schemeClr val="dk1"/>
-          </a:fontRef>
-        </p:style>
-        <p:txBody>
-          <a:bodyPr rtlCol="0" anchor="ctr"/>
-          <a:lstStyle/>
-          <a:p>
-            <a:pPr algn="ctr"/>
-            <a:r>
-              <a:rPr lang="ko-KR" altLang="en-US" sz="1100" dirty="0" smtClean="0"/>
-              <a:t>기관 </a:t>
-            </a:r>
-            <a:endParaRPr lang="en-US" altLang="ko-KR" sz="1100" dirty="0" smtClean="0"/>
+              <a:t>게시글</a:t>
+            </a:r>
+            <a:endParaRPr lang="en-US" altLang="ko-KR" sz="1100" dirty="0"/>
           </a:p>
           <a:p>
             <a:pPr algn="ctr"/>
@@ -6585,295 +5342,13 @@
       </p:sp>
       <p:sp>
         <p:nvSpPr>
-          <p:cNvPr id="236" name="타원 235"/>
-          <p:cNvSpPr/>
-          <p:nvPr/>
-        </p:nvSpPr>
-        <p:spPr>
-          <a:xfrm>
-            <a:off x="11065494" y="6072465"/>
-            <a:ext cx="898174" cy="615167"/>
-          </a:xfrm>
-          <a:prstGeom prst="ellipse">
-            <a:avLst/>
-          </a:prstGeom>
-        </p:spPr>
-        <p:style>
-          <a:lnRef idx="2">
-            <a:schemeClr val="dk1"/>
-          </a:lnRef>
-          <a:fillRef idx="1">
-            <a:schemeClr val="lt1"/>
-          </a:fillRef>
-          <a:effectRef idx="0">
-            <a:schemeClr val="dk1"/>
-          </a:effectRef>
-          <a:fontRef idx="minor">
-            <a:schemeClr val="dk1"/>
-          </a:fontRef>
-        </p:style>
-        <p:txBody>
-          <a:bodyPr rtlCol="0" anchor="ctr"/>
-          <a:lstStyle/>
-          <a:p>
-            <a:pPr algn="ctr"/>
-            <a:r>
-              <a:rPr lang="ko-KR" altLang="en-US" sz="1100" dirty="0" smtClean="0"/>
-              <a:t>기관</a:t>
-            </a:r>
-            <a:endParaRPr lang="en-US" altLang="ko-KR" sz="1100" dirty="0" smtClean="0"/>
-          </a:p>
-          <a:p>
-            <a:pPr algn="ctr"/>
-            <a:r>
-              <a:rPr lang="ko-KR" altLang="en-US" sz="1100" dirty="0" smtClean="0"/>
-              <a:t>페이지</a:t>
-            </a:r>
-            <a:endParaRPr lang="en-US" altLang="ko-KR" sz="1100" dirty="0" smtClean="0"/>
-          </a:p>
-          <a:p>
-            <a:pPr algn="ctr"/>
-            <a:r>
-              <a:rPr lang="ko-KR" altLang="en-US" sz="1100" dirty="0" smtClean="0"/>
-              <a:t>연결</a:t>
-            </a:r>
-            <a:endParaRPr lang="ko-KR" altLang="en-US" sz="1100" dirty="0"/>
-          </a:p>
-        </p:txBody>
-      </p:sp>
-      <p:cxnSp>
-        <p:nvCxnSpPr>
-          <p:cNvPr id="237" name="구부러진 연결선 236"/>
-          <p:cNvCxnSpPr>
-            <a:stCxn id="176" idx="5"/>
-            <a:endCxn id="224" idx="0"/>
-          </p:cNvCxnSpPr>
-          <p:nvPr/>
-        </p:nvCxnSpPr>
-        <p:spPr>
-          <a:xfrm rot="5400000" flipH="1" flipV="1">
-            <a:off x="10238202" y="3608839"/>
-            <a:ext cx="136092" cy="1518491"/>
-          </a:xfrm>
-          <a:prstGeom prst="curvedConnector5">
-            <a:avLst>
-              <a:gd name="adj1" fmla="val -76353"/>
-              <a:gd name="adj2" fmla="val 27253"/>
-              <a:gd name="adj3" fmla="val 267975"/>
-            </a:avLst>
-          </a:prstGeom>
-          <a:ln>
-            <a:tailEnd type="triangle"/>
-          </a:ln>
-        </p:spPr>
-        <p:style>
-          <a:lnRef idx="3">
-            <a:schemeClr val="dk1"/>
-          </a:lnRef>
-          <a:fillRef idx="0">
-            <a:schemeClr val="dk1"/>
-          </a:fillRef>
-          <a:effectRef idx="2">
-            <a:schemeClr val="dk1"/>
-          </a:effectRef>
-          <a:fontRef idx="minor">
-            <a:schemeClr val="tx1"/>
-          </a:fontRef>
-        </p:style>
-      </p:cxnSp>
-      <p:sp>
-        <p:nvSpPr>
-          <p:cNvPr id="261" name="타원 260"/>
-          <p:cNvSpPr/>
-          <p:nvPr/>
-        </p:nvSpPr>
-        <p:spPr>
-          <a:xfrm>
-            <a:off x="9423353" y="1730975"/>
-            <a:ext cx="1146174" cy="482295"/>
-          </a:xfrm>
-          <a:prstGeom prst="ellipse">
-            <a:avLst/>
-          </a:prstGeom>
-        </p:spPr>
-        <p:style>
-          <a:lnRef idx="2">
-            <a:schemeClr val="dk1"/>
-          </a:lnRef>
-          <a:fillRef idx="1">
-            <a:schemeClr val="lt1"/>
-          </a:fillRef>
-          <a:effectRef idx="0">
-            <a:schemeClr val="dk1"/>
-          </a:effectRef>
-          <a:fontRef idx="minor">
-            <a:schemeClr val="dk1"/>
-          </a:fontRef>
-        </p:style>
-        <p:txBody>
-          <a:bodyPr rtlCol="0" anchor="ctr"/>
-          <a:lstStyle/>
-          <a:p>
-            <a:pPr algn="ctr"/>
-            <a:r>
-              <a:rPr lang="ko-KR" altLang="en-US" sz="1100" dirty="0" smtClean="0"/>
-              <a:t>신청 상태 확인</a:t>
-            </a:r>
-            <a:endParaRPr lang="ko-KR" altLang="en-US" sz="1100" dirty="0"/>
-          </a:p>
-        </p:txBody>
-      </p:sp>
-      <p:sp>
-        <p:nvSpPr>
-          <p:cNvPr id="262" name="타원 261"/>
-          <p:cNvSpPr/>
-          <p:nvPr/>
-        </p:nvSpPr>
-        <p:spPr>
-          <a:xfrm>
-            <a:off x="10723126" y="610751"/>
-            <a:ext cx="1146174" cy="482295"/>
-          </a:xfrm>
-          <a:prstGeom prst="ellipse">
-            <a:avLst/>
-          </a:prstGeom>
-        </p:spPr>
-        <p:style>
-          <a:lnRef idx="2">
-            <a:schemeClr val="dk1"/>
-          </a:lnRef>
-          <a:fillRef idx="1">
-            <a:schemeClr val="lt1"/>
-          </a:fillRef>
-          <a:effectRef idx="0">
-            <a:schemeClr val="dk1"/>
-          </a:effectRef>
-          <a:fontRef idx="minor">
-            <a:schemeClr val="dk1"/>
-          </a:fontRef>
-        </p:style>
-        <p:txBody>
-          <a:bodyPr rtlCol="0" anchor="ctr"/>
-          <a:lstStyle/>
-          <a:p>
-            <a:pPr algn="ctr"/>
-            <a:r>
-              <a:rPr lang="ko-KR" altLang="en-US" sz="1100" dirty="0" smtClean="0"/>
-              <a:t>신청 내역</a:t>
-            </a:r>
-            <a:endParaRPr lang="en-US" altLang="ko-KR" sz="1100" dirty="0" smtClean="0"/>
-          </a:p>
-          <a:p>
-            <a:pPr algn="ctr"/>
-            <a:r>
-              <a:rPr lang="ko-KR" altLang="en-US" sz="1100" dirty="0" smtClean="0"/>
-              <a:t>조회</a:t>
-            </a:r>
-            <a:endParaRPr lang="ko-KR" altLang="en-US" sz="1100" dirty="0"/>
-          </a:p>
-        </p:txBody>
-      </p:sp>
-      <p:sp>
-        <p:nvSpPr>
-          <p:cNvPr id="263" name="직사각형 262"/>
-          <p:cNvSpPr/>
-          <p:nvPr/>
-        </p:nvSpPr>
-        <p:spPr>
-          <a:xfrm>
-            <a:off x="7626694" y="1919401"/>
-            <a:ext cx="1484619" cy="1334535"/>
-          </a:xfrm>
-          <a:prstGeom prst="rect">
-            <a:avLst/>
-          </a:prstGeom>
-        </p:spPr>
-        <p:style>
-          <a:lnRef idx="2">
-            <a:schemeClr val="dk1"/>
-          </a:lnRef>
-          <a:fillRef idx="1">
-            <a:schemeClr val="lt1"/>
-          </a:fillRef>
-          <a:effectRef idx="0">
-            <a:schemeClr val="dk1"/>
-          </a:effectRef>
-          <a:fontRef idx="minor">
-            <a:schemeClr val="dk1"/>
-          </a:fontRef>
-        </p:style>
-        <p:txBody>
-          <a:bodyPr rtlCol="0" anchor="t"/>
-          <a:lstStyle/>
-          <a:p>
-            <a:pPr algn="ctr"/>
-            <a:r>
-              <a:rPr lang="ko-KR" altLang="en-US" sz="1200" smtClean="0"/>
-              <a:t>게시판 상담</a:t>
-            </a:r>
-            <a:endParaRPr lang="ko-KR" altLang="en-US" sz="1200" dirty="0"/>
-          </a:p>
-        </p:txBody>
-      </p:sp>
-      <p:sp>
-        <p:nvSpPr>
-          <p:cNvPr id="298" name="타원 297"/>
-          <p:cNvSpPr/>
-          <p:nvPr/>
-        </p:nvSpPr>
-        <p:spPr>
-          <a:xfrm>
-            <a:off x="7930806" y="2697378"/>
-            <a:ext cx="853183" cy="514775"/>
-          </a:xfrm>
-          <a:prstGeom prst="ellipse">
-            <a:avLst/>
-          </a:prstGeom>
-        </p:spPr>
-        <p:style>
-          <a:lnRef idx="2">
-            <a:schemeClr val="dk1"/>
-          </a:lnRef>
-          <a:fillRef idx="1">
-            <a:schemeClr val="lt1"/>
-          </a:fillRef>
-          <a:effectRef idx="0">
-            <a:schemeClr val="dk1"/>
-          </a:effectRef>
-          <a:fontRef idx="minor">
-            <a:schemeClr val="dk1"/>
-          </a:fontRef>
-        </p:style>
-        <p:txBody>
-          <a:bodyPr rtlCol="0" anchor="ctr"/>
-          <a:lstStyle/>
-          <a:p>
-            <a:pPr algn="ctr"/>
-            <a:r>
-              <a:rPr lang="ko-KR" altLang="en-US" sz="1100" dirty="0" smtClean="0"/>
-              <a:t>게시글</a:t>
-            </a:r>
-            <a:endParaRPr lang="en-US" altLang="ko-KR" sz="1100" dirty="0"/>
-          </a:p>
-          <a:p>
-            <a:pPr algn="ctr"/>
-            <a:r>
-              <a:rPr lang="ko-KR" altLang="en-US" sz="1100" dirty="0" smtClean="0"/>
-              <a:t>조회</a:t>
-            </a:r>
-            <a:endParaRPr lang="ko-KR" altLang="en-US" sz="1100" dirty="0"/>
-          </a:p>
-        </p:txBody>
-      </p:sp>
-      <p:sp>
-        <p:nvSpPr>
           <p:cNvPr id="299" name="타원 298"/>
           <p:cNvSpPr/>
           <p:nvPr/>
         </p:nvSpPr>
         <p:spPr>
           <a:xfrm>
-            <a:off x="7933638" y="2177853"/>
+            <a:off x="8018993" y="2365843"/>
             <a:ext cx="853183" cy="477748"/>
           </a:xfrm>
           <a:prstGeom prst="ellipse">
@@ -6925,9 +5400,9 @@
           <p:nvPr/>
         </p:nvCxnSpPr>
         <p:spPr>
-          <a:xfrm rot="10800000" flipV="1">
-            <a:off x="9111313" y="2517365"/>
-            <a:ext cx="315808" cy="69303"/>
+          <a:xfrm rot="10800000">
+            <a:off x="9193637" y="2784303"/>
+            <a:ext cx="225169" cy="2646987"/>
           </a:xfrm>
           <a:prstGeom prst="curvedConnector3">
             <a:avLst>
@@ -6953,24 +5428,72 @@
           </a:fontRef>
         </p:style>
       </p:cxnSp>
+      <p:sp>
+        <p:nvSpPr>
+          <p:cNvPr id="320" name="타원 319"/>
+          <p:cNvSpPr/>
+          <p:nvPr/>
+        </p:nvSpPr>
+        <p:spPr>
+          <a:xfrm>
+            <a:off x="918162" y="4089806"/>
+            <a:ext cx="1075417" cy="509392"/>
+          </a:xfrm>
+          <a:prstGeom prst="ellipse">
+            <a:avLst/>
+          </a:prstGeom>
+        </p:spPr>
+        <p:style>
+          <a:lnRef idx="2">
+            <a:schemeClr val="dk1"/>
+          </a:lnRef>
+          <a:fillRef idx="1">
+            <a:schemeClr val="lt1"/>
+          </a:fillRef>
+          <a:effectRef idx="0">
+            <a:schemeClr val="dk1"/>
+          </a:effectRef>
+          <a:fontRef idx="minor">
+            <a:schemeClr val="dk1"/>
+          </a:fontRef>
+        </p:style>
+        <p:txBody>
+          <a:bodyPr rtlCol="0" anchor="ctr"/>
+          <a:lstStyle/>
+          <a:p>
+            <a:pPr algn="ctr"/>
+            <a:r>
+              <a:rPr lang="ko-KR" altLang="en-US" sz="1100" dirty="0" smtClean="0"/>
+              <a:t>검사결과</a:t>
+            </a:r>
+            <a:endParaRPr lang="en-US" altLang="ko-KR" sz="1100" dirty="0" smtClean="0"/>
+          </a:p>
+          <a:p>
+            <a:pPr algn="ctr"/>
+            <a:r>
+              <a:rPr lang="ko-KR" altLang="en-US" sz="1100" dirty="0" smtClean="0"/>
+              <a:t>확인</a:t>
+            </a:r>
+            <a:endParaRPr lang="ko-KR" altLang="en-US" sz="1100" dirty="0"/>
+          </a:p>
+        </p:txBody>
+      </p:sp>
       <p:cxnSp>
         <p:nvCxnSpPr>
-          <p:cNvPr id="307" name="구부러진 연결선 306"/>
+          <p:cNvPr id="324" name="구부러진 연결선 323"/>
           <p:cNvCxnSpPr>
-            <a:stCxn id="211" idx="0"/>
-            <a:endCxn id="44" idx="2"/>
+            <a:stCxn id="320" idx="4"/>
+            <a:endCxn id="40" idx="1"/>
           </p:cNvCxnSpPr>
           <p:nvPr/>
         </p:nvCxnSpPr>
         <p:spPr>
-          <a:xfrm rot="5400000" flipH="1" flipV="1">
-            <a:off x="8218208" y="2835309"/>
-            <a:ext cx="1875976" cy="2965350"/>
-          </a:xfrm>
-          <a:prstGeom prst="curvedConnector3">
-            <a:avLst>
-              <a:gd name="adj1" fmla="val 19868"/>
-            </a:avLst>
+          <a:xfrm rot="16200000" flipH="1">
+            <a:off x="1948133" y="4106935"/>
+            <a:ext cx="525424" cy="1509949"/>
+          </a:xfrm>
+          <a:prstGeom prst="curvedConnector2">
+            <a:avLst/>
           </a:prstGeom>
           <a:ln w="12700" cap="flat" cmpd="sng" algn="ctr">
             <a:solidFill>
@@ -6997,60 +5520,16 @@
           </a:fontRef>
         </p:style>
       </p:cxnSp>
-      <p:cxnSp>
-        <p:nvCxnSpPr>
-          <p:cNvPr id="314" name="구부러진 연결선 313"/>
-          <p:cNvCxnSpPr>
-            <a:stCxn id="212" idx="2"/>
-            <a:endCxn id="39" idx="3"/>
-          </p:cNvCxnSpPr>
-          <p:nvPr/>
-        </p:nvCxnSpPr>
-        <p:spPr>
-          <a:xfrm rot="10800000">
-            <a:off x="2586315" y="3624645"/>
-            <a:ext cx="3335933" cy="2634366"/>
-          </a:xfrm>
-          <a:prstGeom prst="curvedConnector3">
-            <a:avLst>
-              <a:gd name="adj1" fmla="val 7140"/>
-            </a:avLst>
-          </a:prstGeom>
-          <a:ln w="12700" cap="flat" cmpd="sng" algn="ctr">
-            <a:solidFill>
-              <a:schemeClr val="dk1"/>
-            </a:solidFill>
-            <a:prstDash val="dash"/>
-            <a:round/>
-            <a:headEnd type="none" w="med" len="med"/>
-            <a:tailEnd type="triangle" w="med" len="med"/>
-          </a:ln>
-        </p:spPr>
-        <p:style>
-          <a:lnRef idx="0">
-            <a:scrgbClr r="0" g="0" b="0"/>
-          </a:lnRef>
-          <a:fillRef idx="0">
-            <a:scrgbClr r="0" g="0" b="0"/>
-          </a:fillRef>
-          <a:effectRef idx="0">
-            <a:scrgbClr r="0" g="0" b="0"/>
-          </a:effectRef>
-          <a:fontRef idx="minor">
-            <a:schemeClr val="tx1"/>
-          </a:fontRef>
-        </p:style>
-      </p:cxnSp>
-      <p:sp>
-        <p:nvSpPr>
-          <p:cNvPr id="320" name="타원 319"/>
+      <p:sp>
+        <p:nvSpPr>
+          <p:cNvPr id="115" name="타원 114"/>
           <p:cNvSpPr/>
           <p:nvPr/>
         </p:nvSpPr>
         <p:spPr>
           <a:xfrm>
-            <a:off x="1442407" y="4070024"/>
-            <a:ext cx="1075417" cy="509392"/>
+            <a:off x="693449" y="2879655"/>
+            <a:ext cx="1466242" cy="558904"/>
           </a:xfrm>
           <a:prstGeom prst="ellipse">
             <a:avLst/>
@@ -7077,98 +5556,6 @@
             <a:pPr algn="ctr"/>
             <a:r>
               <a:rPr lang="ko-KR" altLang="en-US" sz="1100" dirty="0" smtClean="0"/>
-              <a:t>검사결과</a:t>
-            </a:r>
-            <a:endParaRPr lang="en-US" altLang="ko-KR" sz="1100" dirty="0" smtClean="0"/>
-          </a:p>
-          <a:p>
-            <a:pPr algn="ctr"/>
-            <a:r>
-              <a:rPr lang="ko-KR" altLang="en-US" sz="1100" dirty="0" smtClean="0"/>
-              <a:t>확인</a:t>
-            </a:r>
-            <a:endParaRPr lang="ko-KR" altLang="en-US" sz="1100" dirty="0"/>
-          </a:p>
-        </p:txBody>
-      </p:sp>
-      <p:cxnSp>
-        <p:nvCxnSpPr>
-          <p:cNvPr id="324" name="구부러진 연결선 323"/>
-          <p:cNvCxnSpPr>
-            <a:stCxn id="320" idx="4"/>
-            <a:endCxn id="40" idx="1"/>
-          </p:cNvCxnSpPr>
-          <p:nvPr/>
-        </p:nvCxnSpPr>
-        <p:spPr>
-          <a:xfrm rot="16200000" flipH="1">
-            <a:off x="2082086" y="4477446"/>
-            <a:ext cx="781764" cy="985704"/>
-          </a:xfrm>
-          <a:prstGeom prst="curvedConnector2">
-            <a:avLst/>
-          </a:prstGeom>
-          <a:ln w="12700" cap="flat" cmpd="sng" algn="ctr">
-            <a:solidFill>
-              <a:schemeClr val="dk1"/>
-            </a:solidFill>
-            <a:prstDash val="dash"/>
-            <a:round/>
-            <a:headEnd type="none" w="med" len="med"/>
-            <a:tailEnd type="triangle" w="med" len="med"/>
-          </a:ln>
-        </p:spPr>
-        <p:style>
-          <a:lnRef idx="0">
-            <a:scrgbClr r="0" g="0" b="0"/>
-          </a:lnRef>
-          <a:fillRef idx="0">
-            <a:scrgbClr r="0" g="0" b="0"/>
-          </a:fillRef>
-          <a:effectRef idx="0">
-            <a:scrgbClr r="0" g="0" b="0"/>
-          </a:effectRef>
-          <a:fontRef idx="minor">
-            <a:schemeClr val="tx1"/>
-          </a:fontRef>
-        </p:style>
-      </p:cxnSp>
-      <p:sp>
-        <p:nvSpPr>
-          <p:cNvPr id="115" name="타원 114"/>
-          <p:cNvSpPr/>
-          <p:nvPr/>
-        </p:nvSpPr>
-        <p:spPr>
-          <a:xfrm>
-            <a:off x="693449" y="2879655"/>
-            <a:ext cx="1466242" cy="558904"/>
-          </a:xfrm>
-          <a:prstGeom prst="ellipse">
-            <a:avLst/>
-          </a:prstGeom>
-        </p:spPr>
-        <p:style>
-          <a:lnRef idx="2">
-            <a:schemeClr val="dk1"/>
-          </a:lnRef>
-          <a:fillRef idx="1">
-            <a:schemeClr val="lt1"/>
-          </a:fillRef>
-          <a:effectRef idx="0">
-            <a:schemeClr val="dk1"/>
-          </a:effectRef>
-          <a:fontRef idx="minor">
-            <a:schemeClr val="dk1"/>
-          </a:fontRef>
-        </p:style>
-        <p:txBody>
-          <a:bodyPr rtlCol="0" anchor="ctr"/>
-          <a:lstStyle/>
-          <a:p>
-            <a:pPr algn="ctr"/>
-            <a:r>
-              <a:rPr lang="ko-KR" altLang="en-US" sz="1100" dirty="0" smtClean="0"/>
               <a:t>마음건강검사</a:t>
             </a:r>
             <a:endParaRPr lang="en-US" altLang="ko-KR" sz="1100" dirty="0" smtClean="0"/>
@@ -7191,7 +5578,7 @@
         </p:nvSpPr>
         <p:spPr>
           <a:xfrm>
-            <a:off x="10611092" y="2830029"/>
+            <a:off x="10602776" y="5743952"/>
             <a:ext cx="1330062" cy="482295"/>
           </a:xfrm>
           <a:prstGeom prst="ellipse">
@@ -7249,11 +5636,11 @@
         <p:spPr>
           <a:xfrm>
             <a:off x="3890013" y="1418419"/>
-            <a:ext cx="4040793" cy="1536347"/>
+            <a:ext cx="4134723" cy="1752997"/>
           </a:xfrm>
           <a:prstGeom prst="curvedConnector3">
             <a:avLst>
-              <a:gd name="adj1" fmla="val 27371"/>
+              <a:gd name="adj1" fmla="val 50000"/>
             </a:avLst>
           </a:prstGeom>
           <a:ln w="12700" cap="flat" cmpd="sng" algn="ctr">
